--- a/13.标准内置对象2(构造器 Array Error).pptx/13.标准内置对象-构造器（ Array Error）.pptx
+++ b/13.标准内置对象2(构造器 Array Error).pptx/13.标准内置对象-构造器（ Array Error）.pptx
@@ -3,47 +3,47 @@
 <p:presentation xmlns:a="http://schemas.openxmlformats.org/drawingml/2006/main" xmlns:r="http://schemas.openxmlformats.org/officeDocument/2006/relationships" xmlns:p="http://schemas.openxmlformats.org/presentationml/2006/main">
   <p:sldMasterIdLst>
     <p:sldMasterId id="2147483648" r:id="rId1"/>
-    <p:sldMasterId id="2147483652" r:id="rId3"/>
-    <p:sldMasterId id="2147483656" r:id="rId4"/>
-    <p:sldMasterId id="2147483660" r:id="rId5"/>
+    <p:sldMasterId id="2147483652" r:id="rId2"/>
+    <p:sldMasterId id="2147483656" r:id="rId3"/>
+    <p:sldMasterId id="2147483660" r:id="rId4"/>
   </p:sldMasterIdLst>
   <p:notesMasterIdLst>
-    <p:notesMasterId r:id="rId7"/>
+    <p:notesMasterId r:id="rId30"/>
   </p:notesMasterIdLst>
   <p:handoutMasterIdLst>
-    <p:handoutMasterId r:id="rId32"/>
+    <p:handoutMasterId r:id="rId31"/>
   </p:handoutMasterIdLst>
   <p:sldIdLst>
-    <p:sldId id="284" r:id="rId6"/>
-    <p:sldId id="288" r:id="rId8"/>
-    <p:sldId id="962" r:id="rId9"/>
-    <p:sldId id="925" r:id="rId10"/>
-    <p:sldId id="926" r:id="rId11"/>
-    <p:sldId id="927" r:id="rId12"/>
-    <p:sldId id="928" r:id="rId13"/>
-    <p:sldId id="950" r:id="rId14"/>
-    <p:sldId id="929" r:id="rId15"/>
-    <p:sldId id="963" r:id="rId16"/>
-    <p:sldId id="979" r:id="rId17"/>
-    <p:sldId id="980" r:id="rId18"/>
-    <p:sldId id="981" r:id="rId19"/>
-    <p:sldId id="982" r:id="rId20"/>
-    <p:sldId id="983" r:id="rId21"/>
-    <p:sldId id="984" r:id="rId22"/>
-    <p:sldId id="985" r:id="rId23"/>
-    <p:sldId id="986" r:id="rId24"/>
-    <p:sldId id="988" r:id="rId25"/>
-    <p:sldId id="989" r:id="rId26"/>
-    <p:sldId id="990" r:id="rId27"/>
-    <p:sldId id="993" r:id="rId28"/>
-    <p:sldId id="995" r:id="rId29"/>
-    <p:sldId id="996" r:id="rId30"/>
-    <p:sldId id="862" r:id="rId31"/>
+    <p:sldId id="284" r:id="rId5"/>
+    <p:sldId id="288" r:id="rId6"/>
+    <p:sldId id="962" r:id="rId7"/>
+    <p:sldId id="925" r:id="rId8"/>
+    <p:sldId id="926" r:id="rId9"/>
+    <p:sldId id="927" r:id="rId10"/>
+    <p:sldId id="928" r:id="rId11"/>
+    <p:sldId id="950" r:id="rId12"/>
+    <p:sldId id="929" r:id="rId13"/>
+    <p:sldId id="963" r:id="rId14"/>
+    <p:sldId id="979" r:id="rId15"/>
+    <p:sldId id="980" r:id="rId16"/>
+    <p:sldId id="981" r:id="rId17"/>
+    <p:sldId id="982" r:id="rId18"/>
+    <p:sldId id="983" r:id="rId19"/>
+    <p:sldId id="984" r:id="rId20"/>
+    <p:sldId id="985" r:id="rId21"/>
+    <p:sldId id="986" r:id="rId22"/>
+    <p:sldId id="988" r:id="rId23"/>
+    <p:sldId id="989" r:id="rId24"/>
+    <p:sldId id="990" r:id="rId25"/>
+    <p:sldId id="993" r:id="rId26"/>
+    <p:sldId id="995" r:id="rId27"/>
+    <p:sldId id="996" r:id="rId28"/>
+    <p:sldId id="862" r:id="rId29"/>
   </p:sldIdLst>
   <p:sldSz cx="12192000" cy="6858000"/>
   <p:notesSz cx="6858000" cy="9144000"/>
   <p:custDataLst>
-    <p:tags r:id="rId36"/>
+    <p:tags r:id="rId32"/>
   </p:custDataLst>
   <p:defaultTextStyle>
     <a:defPPr>
@@ -140,6 +140,22 @@
       </a:defRPr>
     </a:lvl9pPr>
   </p:defaultTextStyle>
+  <p:extLst>
+    <p:ext uri="{EFAFB233-063F-42B5-8137-9DF3F51BA10A}">
+      <p15:sldGuideLst xmlns:p15="http://schemas.microsoft.com/office/powerpoint/2012/main">
+        <p15:guide id="1" orient="horz" pos="2160">
+          <p15:clr>
+            <a:srgbClr val="A4A3A4"/>
+          </p15:clr>
+        </p15:guide>
+        <p15:guide id="2" pos="3840">
+          <p15:clr>
+            <a:srgbClr val="A4A3A4"/>
+          </p15:clr>
+        </p15:guide>
+      </p15:sldGuideLst>
+    </p:ext>
+  </p:extLst>
 </p:presentation>
 </file>
 
@@ -225,6 +241,7 @@
           <a:p>
             <a:fld id="{0F9B84EA-7D68-4D60-9CB1-D50884785D1C}" type="datetimeFigureOut">
               <a:rPr lang="zh-CN" altLang="en-US" smtClean="0"/>
+              <a:t>2020/4/20</a:t>
             </a:fld>
             <a:endParaRPr lang="zh-CN" altLang="en-US"/>
           </a:p>
@@ -290,6 +307,7 @@
           <a:p>
             <a:fld id="{8D4E0FC9-F1F8-4FAE-9988-3BA365CFD46F}" type="slidenum">
               <a:rPr lang="zh-CN" altLang="en-US" smtClean="0"/>
+              <a:t>‹#›</a:t>
             </a:fld>
             <a:endParaRPr lang="zh-CN" altLang="en-US"/>
           </a:p>
@@ -383,6 +401,7 @@
           <a:p>
             <a:fld id="{684D3FB2-7CB8-4067-B1A5-8C2CFD21EA41}" type="datetimeFigureOut">
               <a:rPr lang="zh-CN" altLang="en-US" smtClean="0"/>
+              <a:t>2020/4/20</a:t>
             </a:fld>
             <a:endParaRPr lang="zh-CN" altLang="en-US"/>
           </a:p>
@@ -451,7 +470,6 @@
               <a:rPr lang="zh-CN" altLang="en-US"/>
               <a:t>单击此处编辑母版文本样式</a:t>
             </a:r>
-            <a:endParaRPr lang="zh-CN" altLang="en-US"/>
           </a:p>
           <a:p>
             <a:pPr lvl="1"/>
@@ -459,7 +477,6 @@
               <a:rPr lang="zh-CN" altLang="en-US"/>
               <a:t>第二级</a:t>
             </a:r>
-            <a:endParaRPr lang="zh-CN" altLang="en-US"/>
           </a:p>
           <a:p>
             <a:pPr lvl="2"/>
@@ -467,7 +484,6 @@
               <a:rPr lang="zh-CN" altLang="en-US"/>
               <a:t>第三级</a:t>
             </a:r>
-            <a:endParaRPr lang="zh-CN" altLang="en-US"/>
           </a:p>
           <a:p>
             <a:pPr lvl="3"/>
@@ -475,7 +491,6 @@
               <a:rPr lang="zh-CN" altLang="en-US"/>
               <a:t>第四级</a:t>
             </a:r>
-            <a:endParaRPr lang="zh-CN" altLang="en-US"/>
           </a:p>
           <a:p>
             <a:pPr lvl="4"/>
@@ -483,7 +498,6 @@
               <a:rPr lang="zh-CN" altLang="en-US"/>
               <a:t>第五级</a:t>
             </a:r>
-            <a:endParaRPr lang="zh-CN" altLang="en-US"/>
           </a:p>
         </p:txBody>
       </p:sp>
@@ -547,6 +561,7 @@
           <a:p>
             <a:fld id="{82D80927-B3A3-4EAB-8C66-CA304D1796CA}" type="slidenum">
               <a:rPr lang="zh-CN" altLang="en-US" smtClean="0"/>
+              <a:t>‹#›</a:t>
             </a:fld>
             <a:endParaRPr lang="zh-CN" altLang="en-US"/>
           </a:p>
@@ -659,11 +674,20 @@
         <p:cNvGrpSpPr/>
         <p:nvPr/>
       </p:nvGrpSpPr>
-      <p:grpSpPr/>
+      <p:grpSpPr>
+        <a:xfrm>
+          <a:off x="0" y="0"/>
+          <a:ext cx="0" cy="0"/>
+          <a:chOff x="0" y="0"/>
+          <a:chExt cx="0" cy="0"/>
+        </a:xfrm>
+      </p:grpSpPr>
       <p:sp>
         <p:nvSpPr>
           <p:cNvPr id="2" name="幻灯片图像占位符 1"/>
-          <p:cNvSpPr/>
+          <p:cNvSpPr>
+            <a:spLocks noGrp="1" noRot="1" noChangeAspect="1"/>
+          </p:cNvSpPr>
           <p:nvPr>
             <p:ph type="sldImg" idx="2"/>
           </p:nvPr>
@@ -673,7 +697,9 @@
       <p:sp>
         <p:nvSpPr>
           <p:cNvPr id="3" name="文本占位符 2"/>
-          <p:cNvSpPr/>
+          <p:cNvSpPr>
+            <a:spLocks noGrp="1"/>
+          </p:cNvSpPr>
           <p:nvPr>
             <p:ph type="body" idx="3"/>
           </p:nvPr>
@@ -681,6 +707,7 @@
         <p:spPr/>
         <p:txBody>
           <a:bodyPr/>
+          <a:lstStyle/>
           <a:p>
             <a:endParaRPr lang="zh-CN" altLang="en-US"/>
           </a:p>
@@ -703,11 +730,20 @@
         <p:cNvGrpSpPr/>
         <p:nvPr/>
       </p:nvGrpSpPr>
-      <p:grpSpPr/>
+      <p:grpSpPr>
+        <a:xfrm>
+          <a:off x="0" y="0"/>
+          <a:ext cx="0" cy="0"/>
+          <a:chOff x="0" y="0"/>
+          <a:chExt cx="0" cy="0"/>
+        </a:xfrm>
+      </p:grpSpPr>
       <p:sp>
         <p:nvSpPr>
           <p:cNvPr id="2" name="幻灯片图像占位符 1"/>
-          <p:cNvSpPr/>
+          <p:cNvSpPr>
+            <a:spLocks noGrp="1" noRot="1" noChangeAspect="1"/>
+          </p:cNvSpPr>
           <p:nvPr>
             <p:ph type="sldImg" idx="2"/>
           </p:nvPr>
@@ -717,7 +753,9 @@
       <p:sp>
         <p:nvSpPr>
           <p:cNvPr id="3" name="文本占位符 2"/>
-          <p:cNvSpPr/>
+          <p:cNvSpPr>
+            <a:spLocks noGrp="1"/>
+          </p:cNvSpPr>
           <p:nvPr>
             <p:ph type="body" idx="3"/>
           </p:nvPr>
@@ -725,6 +763,7 @@
         <p:spPr/>
         <p:txBody>
           <a:bodyPr/>
+          <a:lstStyle/>
           <a:p>
             <a:pPr marL="0" lvl="1"/>
             <a:endParaRPr lang="zh-CN" altLang="en-US"/>
@@ -748,11 +787,20 @@
         <p:cNvGrpSpPr/>
         <p:nvPr/>
       </p:nvGrpSpPr>
-      <p:grpSpPr/>
+      <p:grpSpPr>
+        <a:xfrm>
+          <a:off x="0" y="0"/>
+          <a:ext cx="0" cy="0"/>
+          <a:chOff x="0" y="0"/>
+          <a:chExt cx="0" cy="0"/>
+        </a:xfrm>
+      </p:grpSpPr>
       <p:sp>
         <p:nvSpPr>
           <p:cNvPr id="2" name="幻灯片图像占位符 1"/>
-          <p:cNvSpPr/>
+          <p:cNvSpPr>
+            <a:spLocks noGrp="1" noRot="1" noChangeAspect="1"/>
+          </p:cNvSpPr>
           <p:nvPr>
             <p:ph type="sldImg" idx="2"/>
           </p:nvPr>
@@ -762,7 +810,9 @@
       <p:sp>
         <p:nvSpPr>
           <p:cNvPr id="3" name="文本占位符 2"/>
-          <p:cNvSpPr/>
+          <p:cNvSpPr>
+            <a:spLocks noGrp="1"/>
+          </p:cNvSpPr>
           <p:nvPr>
             <p:ph type="body" idx="3"/>
           </p:nvPr>
@@ -770,6 +820,7 @@
         <p:spPr/>
         <p:txBody>
           <a:bodyPr/>
+          <a:lstStyle/>
           <a:p>
             <a:pPr marL="0" lvl="1"/>
             <a:endParaRPr lang="zh-CN" altLang="en-US"/>
@@ -793,11 +844,20 @@
         <p:cNvGrpSpPr/>
         <p:nvPr/>
       </p:nvGrpSpPr>
-      <p:grpSpPr/>
+      <p:grpSpPr>
+        <a:xfrm>
+          <a:off x="0" y="0"/>
+          <a:ext cx="0" cy="0"/>
+          <a:chOff x="0" y="0"/>
+          <a:chExt cx="0" cy="0"/>
+        </a:xfrm>
+      </p:grpSpPr>
       <p:sp>
         <p:nvSpPr>
           <p:cNvPr id="2" name="幻灯片图像占位符 1"/>
-          <p:cNvSpPr/>
+          <p:cNvSpPr>
+            <a:spLocks noGrp="1" noRot="1" noChangeAspect="1"/>
+          </p:cNvSpPr>
           <p:nvPr>
             <p:ph type="sldImg" idx="2"/>
           </p:nvPr>
@@ -807,7 +867,9 @@
       <p:sp>
         <p:nvSpPr>
           <p:cNvPr id="3" name="文本占位符 2"/>
-          <p:cNvSpPr/>
+          <p:cNvSpPr>
+            <a:spLocks noGrp="1"/>
+          </p:cNvSpPr>
           <p:nvPr>
             <p:ph type="body" idx="3"/>
           </p:nvPr>
@@ -815,6 +877,7 @@
         <p:spPr/>
         <p:txBody>
           <a:bodyPr/>
+          <a:lstStyle/>
           <a:p>
             <a:pPr marL="0" lvl="1"/>
             <a:endParaRPr lang="zh-CN" altLang="en-US"/>
@@ -838,11 +901,20 @@
         <p:cNvGrpSpPr/>
         <p:nvPr/>
       </p:nvGrpSpPr>
-      <p:grpSpPr/>
+      <p:grpSpPr>
+        <a:xfrm>
+          <a:off x="0" y="0"/>
+          <a:ext cx="0" cy="0"/>
+          <a:chOff x="0" y="0"/>
+          <a:chExt cx="0" cy="0"/>
+        </a:xfrm>
+      </p:grpSpPr>
       <p:sp>
         <p:nvSpPr>
           <p:cNvPr id="2" name="幻灯片图像占位符 1"/>
-          <p:cNvSpPr/>
+          <p:cNvSpPr>
+            <a:spLocks noGrp="1" noRot="1" noChangeAspect="1"/>
+          </p:cNvSpPr>
           <p:nvPr>
             <p:ph type="sldImg" idx="2"/>
           </p:nvPr>
@@ -852,7 +924,9 @@
       <p:sp>
         <p:nvSpPr>
           <p:cNvPr id="3" name="文本占位符 2"/>
-          <p:cNvSpPr/>
+          <p:cNvSpPr>
+            <a:spLocks noGrp="1"/>
+          </p:cNvSpPr>
           <p:nvPr>
             <p:ph type="body" idx="3"/>
           </p:nvPr>
@@ -860,6 +934,7 @@
         <p:spPr/>
         <p:txBody>
           <a:bodyPr/>
+          <a:lstStyle/>
           <a:p>
             <a:pPr marL="0" lvl="1"/>
             <a:endParaRPr lang="zh-CN" altLang="en-US"/>
@@ -883,11 +958,20 @@
         <p:cNvGrpSpPr/>
         <p:nvPr/>
       </p:nvGrpSpPr>
-      <p:grpSpPr/>
+      <p:grpSpPr>
+        <a:xfrm>
+          <a:off x="0" y="0"/>
+          <a:ext cx="0" cy="0"/>
+          <a:chOff x="0" y="0"/>
+          <a:chExt cx="0" cy="0"/>
+        </a:xfrm>
+      </p:grpSpPr>
       <p:sp>
         <p:nvSpPr>
           <p:cNvPr id="2" name="幻灯片图像占位符 1"/>
-          <p:cNvSpPr/>
+          <p:cNvSpPr>
+            <a:spLocks noGrp="1" noRot="1" noChangeAspect="1"/>
+          </p:cNvSpPr>
           <p:nvPr>
             <p:ph type="sldImg" idx="2"/>
           </p:nvPr>
@@ -897,7 +981,9 @@
       <p:sp>
         <p:nvSpPr>
           <p:cNvPr id="3" name="文本占位符 2"/>
-          <p:cNvSpPr/>
+          <p:cNvSpPr>
+            <a:spLocks noGrp="1"/>
+          </p:cNvSpPr>
           <p:nvPr>
             <p:ph type="body" idx="3"/>
           </p:nvPr>
@@ -905,6 +991,7 @@
         <p:spPr/>
         <p:txBody>
           <a:bodyPr/>
+          <a:lstStyle/>
           <a:p>
             <a:pPr marL="0" lvl="1"/>
             <a:endParaRPr lang="zh-CN" altLang="en-US"/>
@@ -928,11 +1015,20 @@
         <p:cNvGrpSpPr/>
         <p:nvPr/>
       </p:nvGrpSpPr>
-      <p:grpSpPr/>
+      <p:grpSpPr>
+        <a:xfrm>
+          <a:off x="0" y="0"/>
+          <a:ext cx="0" cy="0"/>
+          <a:chOff x="0" y="0"/>
+          <a:chExt cx="0" cy="0"/>
+        </a:xfrm>
+      </p:grpSpPr>
       <p:sp>
         <p:nvSpPr>
           <p:cNvPr id="2" name="幻灯片图像占位符 1"/>
-          <p:cNvSpPr/>
+          <p:cNvSpPr>
+            <a:spLocks noGrp="1" noRot="1" noChangeAspect="1"/>
+          </p:cNvSpPr>
           <p:nvPr>
             <p:ph type="sldImg" idx="2"/>
           </p:nvPr>
@@ -942,7 +1038,9 @@
       <p:sp>
         <p:nvSpPr>
           <p:cNvPr id="3" name="文本占位符 2"/>
-          <p:cNvSpPr/>
+          <p:cNvSpPr>
+            <a:spLocks noGrp="1"/>
+          </p:cNvSpPr>
           <p:nvPr>
             <p:ph type="body" idx="3"/>
           </p:nvPr>
@@ -950,6 +1048,7 @@
         <p:spPr/>
         <p:txBody>
           <a:bodyPr/>
+          <a:lstStyle/>
           <a:p>
             <a:pPr marL="0" lvl="1"/>
             <a:endParaRPr lang="zh-CN" altLang="en-US"/>
@@ -973,11 +1072,20 @@
         <p:cNvGrpSpPr/>
         <p:nvPr/>
       </p:nvGrpSpPr>
-      <p:grpSpPr/>
+      <p:grpSpPr>
+        <a:xfrm>
+          <a:off x="0" y="0"/>
+          <a:ext cx="0" cy="0"/>
+          <a:chOff x="0" y="0"/>
+          <a:chExt cx="0" cy="0"/>
+        </a:xfrm>
+      </p:grpSpPr>
       <p:sp>
         <p:nvSpPr>
           <p:cNvPr id="2" name="幻灯片图像占位符 1"/>
-          <p:cNvSpPr/>
+          <p:cNvSpPr>
+            <a:spLocks noGrp="1" noRot="1" noChangeAspect="1"/>
+          </p:cNvSpPr>
           <p:nvPr>
             <p:ph type="sldImg" idx="2"/>
           </p:nvPr>
@@ -987,7 +1095,9 @@
       <p:sp>
         <p:nvSpPr>
           <p:cNvPr id="3" name="文本占位符 2"/>
-          <p:cNvSpPr/>
+          <p:cNvSpPr>
+            <a:spLocks noGrp="1"/>
+          </p:cNvSpPr>
           <p:nvPr>
             <p:ph type="body" idx="3"/>
           </p:nvPr>
@@ -995,6 +1105,7 @@
         <p:spPr/>
         <p:txBody>
           <a:bodyPr/>
+          <a:lstStyle/>
           <a:p>
             <a:pPr marL="0" lvl="1"/>
             <a:endParaRPr lang="zh-CN" altLang="en-US"/>
@@ -1018,11 +1129,20 @@
         <p:cNvGrpSpPr/>
         <p:nvPr/>
       </p:nvGrpSpPr>
-      <p:grpSpPr/>
+      <p:grpSpPr>
+        <a:xfrm>
+          <a:off x="0" y="0"/>
+          <a:ext cx="0" cy="0"/>
+          <a:chOff x="0" y="0"/>
+          <a:chExt cx="0" cy="0"/>
+        </a:xfrm>
+      </p:grpSpPr>
       <p:sp>
         <p:nvSpPr>
           <p:cNvPr id="2" name="幻灯片图像占位符 1"/>
-          <p:cNvSpPr/>
+          <p:cNvSpPr>
+            <a:spLocks noGrp="1" noRot="1" noChangeAspect="1"/>
+          </p:cNvSpPr>
           <p:nvPr>
             <p:ph type="sldImg" idx="2"/>
           </p:nvPr>
@@ -1032,7 +1152,9 @@
       <p:sp>
         <p:nvSpPr>
           <p:cNvPr id="3" name="文本占位符 2"/>
-          <p:cNvSpPr/>
+          <p:cNvSpPr>
+            <a:spLocks noGrp="1"/>
+          </p:cNvSpPr>
           <p:nvPr>
             <p:ph type="body" idx="3"/>
           </p:nvPr>
@@ -1040,6 +1162,7 @@
         <p:spPr/>
         <p:txBody>
           <a:bodyPr/>
+          <a:lstStyle/>
           <a:p>
             <a:pPr marL="0" lvl="1"/>
             <a:endParaRPr lang="zh-CN" altLang="en-US"/>
@@ -1063,11 +1186,20 @@
         <p:cNvGrpSpPr/>
         <p:nvPr/>
       </p:nvGrpSpPr>
-      <p:grpSpPr/>
+      <p:grpSpPr>
+        <a:xfrm>
+          <a:off x="0" y="0"/>
+          <a:ext cx="0" cy="0"/>
+          <a:chOff x="0" y="0"/>
+          <a:chExt cx="0" cy="0"/>
+        </a:xfrm>
+      </p:grpSpPr>
       <p:sp>
         <p:nvSpPr>
           <p:cNvPr id="2" name="幻灯片图像占位符 1"/>
-          <p:cNvSpPr/>
+          <p:cNvSpPr>
+            <a:spLocks noGrp="1" noRot="1" noChangeAspect="1"/>
+          </p:cNvSpPr>
           <p:nvPr>
             <p:ph type="sldImg" idx="2"/>
           </p:nvPr>
@@ -1077,7 +1209,9 @@
       <p:sp>
         <p:nvSpPr>
           <p:cNvPr id="3" name="文本占位符 2"/>
-          <p:cNvSpPr/>
+          <p:cNvSpPr>
+            <a:spLocks noGrp="1"/>
+          </p:cNvSpPr>
           <p:nvPr>
             <p:ph type="body" idx="3"/>
           </p:nvPr>
@@ -1085,6 +1219,7 @@
         <p:spPr/>
         <p:txBody>
           <a:bodyPr/>
+          <a:lstStyle/>
           <a:p>
             <a:pPr marL="0" lvl="1"/>
             <a:endParaRPr lang="zh-CN" altLang="en-US"/>
@@ -1108,11 +1243,20 @@
         <p:cNvGrpSpPr/>
         <p:nvPr/>
       </p:nvGrpSpPr>
-      <p:grpSpPr/>
+      <p:grpSpPr>
+        <a:xfrm>
+          <a:off x="0" y="0"/>
+          <a:ext cx="0" cy="0"/>
+          <a:chOff x="0" y="0"/>
+          <a:chExt cx="0" cy="0"/>
+        </a:xfrm>
+      </p:grpSpPr>
       <p:sp>
         <p:nvSpPr>
           <p:cNvPr id="2" name="幻灯片图像占位符 1"/>
-          <p:cNvSpPr/>
+          <p:cNvSpPr>
+            <a:spLocks noGrp="1" noRot="1" noChangeAspect="1"/>
+          </p:cNvSpPr>
           <p:nvPr>
             <p:ph type="sldImg" idx="2"/>
           </p:nvPr>
@@ -1122,7 +1266,9 @@
       <p:sp>
         <p:nvSpPr>
           <p:cNvPr id="3" name="文本占位符 2"/>
-          <p:cNvSpPr/>
+          <p:cNvSpPr>
+            <a:spLocks noGrp="1"/>
+          </p:cNvSpPr>
           <p:nvPr>
             <p:ph type="body" idx="3"/>
           </p:nvPr>
@@ -1130,6 +1276,7 @@
         <p:spPr/>
         <p:txBody>
           <a:bodyPr/>
+          <a:lstStyle/>
           <a:p>
             <a:pPr marL="0" lvl="1"/>
             <a:endParaRPr lang="zh-CN" altLang="en-US"/>
@@ -1153,11 +1300,20 @@
         <p:cNvGrpSpPr/>
         <p:nvPr/>
       </p:nvGrpSpPr>
-      <p:grpSpPr/>
+      <p:grpSpPr>
+        <a:xfrm>
+          <a:off x="0" y="0"/>
+          <a:ext cx="0" cy="0"/>
+          <a:chOff x="0" y="0"/>
+          <a:chExt cx="0" cy="0"/>
+        </a:xfrm>
+      </p:grpSpPr>
       <p:sp>
         <p:nvSpPr>
           <p:cNvPr id="2" name="幻灯片图像占位符 1"/>
-          <p:cNvSpPr/>
+          <p:cNvSpPr>
+            <a:spLocks noGrp="1" noRot="1" noChangeAspect="1"/>
+          </p:cNvSpPr>
           <p:nvPr>
             <p:ph type="sldImg" idx="2"/>
           </p:nvPr>
@@ -1167,7 +1323,9 @@
       <p:sp>
         <p:nvSpPr>
           <p:cNvPr id="3" name="文本占位符 2"/>
-          <p:cNvSpPr/>
+          <p:cNvSpPr>
+            <a:spLocks noGrp="1"/>
+          </p:cNvSpPr>
           <p:nvPr>
             <p:ph type="body" idx="3"/>
           </p:nvPr>
@@ -1175,6 +1333,7 @@
         <p:spPr/>
         <p:txBody>
           <a:bodyPr/>
+          <a:lstStyle/>
           <a:p>
             <a:pPr marL="0" lvl="1"/>
             <a:r>
@@ -1242,11 +1401,20 @@
         <p:cNvGrpSpPr/>
         <p:nvPr/>
       </p:nvGrpSpPr>
-      <p:grpSpPr/>
+      <p:grpSpPr>
+        <a:xfrm>
+          <a:off x="0" y="0"/>
+          <a:ext cx="0" cy="0"/>
+          <a:chOff x="0" y="0"/>
+          <a:chExt cx="0" cy="0"/>
+        </a:xfrm>
+      </p:grpSpPr>
       <p:sp>
         <p:nvSpPr>
           <p:cNvPr id="2" name="幻灯片图像占位符 1"/>
-          <p:cNvSpPr/>
+          <p:cNvSpPr>
+            <a:spLocks noGrp="1" noRot="1" noChangeAspect="1"/>
+          </p:cNvSpPr>
           <p:nvPr>
             <p:ph type="sldImg" idx="2"/>
           </p:nvPr>
@@ -1256,7 +1424,9 @@
       <p:sp>
         <p:nvSpPr>
           <p:cNvPr id="3" name="文本占位符 2"/>
-          <p:cNvSpPr/>
+          <p:cNvSpPr>
+            <a:spLocks noGrp="1"/>
+          </p:cNvSpPr>
           <p:nvPr>
             <p:ph type="body" idx="3"/>
           </p:nvPr>
@@ -1264,6 +1434,7 @@
         <p:spPr/>
         <p:txBody>
           <a:bodyPr/>
+          <a:lstStyle/>
           <a:p>
             <a:pPr marL="0" lvl="1"/>
             <a:r>
@@ -1307,11 +1478,20 @@
         <p:cNvGrpSpPr/>
         <p:nvPr/>
       </p:nvGrpSpPr>
-      <p:grpSpPr/>
+      <p:grpSpPr>
+        <a:xfrm>
+          <a:off x="0" y="0"/>
+          <a:ext cx="0" cy="0"/>
+          <a:chOff x="0" y="0"/>
+          <a:chExt cx="0" cy="0"/>
+        </a:xfrm>
+      </p:grpSpPr>
       <p:sp>
         <p:nvSpPr>
           <p:cNvPr id="2" name="幻灯片图像占位符 1"/>
-          <p:cNvSpPr/>
+          <p:cNvSpPr>
+            <a:spLocks noGrp="1" noRot="1" noChangeAspect="1"/>
+          </p:cNvSpPr>
           <p:nvPr>
             <p:ph type="sldImg" idx="2"/>
           </p:nvPr>
@@ -1321,7 +1501,9 @@
       <p:sp>
         <p:nvSpPr>
           <p:cNvPr id="3" name="文本占位符 2"/>
-          <p:cNvSpPr/>
+          <p:cNvSpPr>
+            <a:spLocks noGrp="1"/>
+          </p:cNvSpPr>
           <p:nvPr>
             <p:ph type="body" idx="3"/>
           </p:nvPr>
@@ -1329,6 +1511,7 @@
         <p:spPr/>
         <p:txBody>
           <a:bodyPr/>
+          <a:lstStyle/>
           <a:p>
             <a:pPr marL="0" lvl="1"/>
             <a:r>
@@ -1433,7 +1616,6 @@
               <a:rPr lang="zh-CN" altLang="en-US"/>
               <a:t>单击此处编辑标题样式</a:t>
             </a:r>
-            <a:endParaRPr lang="zh-CN" altLang="en-US"/>
           </a:p>
         </p:txBody>
       </p:sp>
@@ -1487,7 +1669,6 @@
               <a:rPr lang="zh-CN" altLang="en-US"/>
               <a:t>单击此处编辑母版文本样式</a:t>
             </a:r>
-            <a:endParaRPr lang="zh-CN" altLang="en-US"/>
           </a:p>
           <a:p>
             <a:pPr lvl="1"/>
@@ -1495,7 +1676,6 @@
               <a:rPr lang="zh-CN" altLang="en-US"/>
               <a:t>第二级</a:t>
             </a:r>
-            <a:endParaRPr lang="zh-CN" altLang="en-US"/>
           </a:p>
           <a:p>
             <a:pPr lvl="2"/>
@@ -1503,7 +1683,6 @@
               <a:rPr lang="zh-CN" altLang="en-US"/>
               <a:t>第三级</a:t>
             </a:r>
-            <a:endParaRPr lang="zh-CN" altLang="en-US"/>
           </a:p>
           <a:p>
             <a:pPr lvl="3"/>
@@ -1511,7 +1690,6 @@
               <a:rPr lang="zh-CN" altLang="en-US"/>
               <a:t>第四级</a:t>
             </a:r>
-            <a:endParaRPr lang="zh-CN" altLang="en-US"/>
           </a:p>
           <a:p>
             <a:pPr lvl="4"/>
@@ -1519,7 +1697,6 @@
               <a:rPr lang="zh-CN" altLang="en-US"/>
               <a:t>第五级</a:t>
             </a:r>
-            <a:endParaRPr lang="zh-CN" altLang="en-US"/>
           </a:p>
         </p:txBody>
       </p:sp>
@@ -1645,7 +1822,6 @@
               <a:rPr lang="zh-CN" altLang="en-US"/>
               <a:t>单击此处编辑标题样式</a:t>
             </a:r>
-            <a:endParaRPr lang="zh-CN" altLang="en-US"/>
           </a:p>
         </p:txBody>
       </p:sp>
@@ -1699,7 +1875,6 @@
               <a:rPr lang="zh-CN" altLang="en-US"/>
               <a:t>单击此处编辑母版文本样式</a:t>
             </a:r>
-            <a:endParaRPr lang="zh-CN" altLang="en-US"/>
           </a:p>
           <a:p>
             <a:pPr lvl="1"/>
@@ -1707,7 +1882,6 @@
               <a:rPr lang="zh-CN" altLang="en-US"/>
               <a:t>第二级</a:t>
             </a:r>
-            <a:endParaRPr lang="zh-CN" altLang="en-US"/>
           </a:p>
           <a:p>
             <a:pPr lvl="2"/>
@@ -1715,7 +1889,6 @@
               <a:rPr lang="zh-CN" altLang="en-US"/>
               <a:t>第三级</a:t>
             </a:r>
-            <a:endParaRPr lang="zh-CN" altLang="en-US"/>
           </a:p>
           <a:p>
             <a:pPr lvl="3"/>
@@ -1723,7 +1896,6 @@
               <a:rPr lang="zh-CN" altLang="en-US"/>
               <a:t>第四级</a:t>
             </a:r>
-            <a:endParaRPr lang="zh-CN" altLang="en-US"/>
           </a:p>
           <a:p>
             <a:pPr lvl="4"/>
@@ -1731,7 +1903,6 @@
               <a:rPr lang="zh-CN" altLang="en-US"/>
               <a:t>第五级</a:t>
             </a:r>
-            <a:endParaRPr lang="zh-CN" altLang="en-US"/>
           </a:p>
         </p:txBody>
       </p:sp>
@@ -1879,7 +2050,6 @@
               <a:rPr lang="zh-CN" altLang="en-US" dirty="0"/>
               <a:t>单击此处编辑母版文本样式</a:t>
             </a:r>
-            <a:endParaRPr lang="zh-CN" altLang="en-US" dirty="0"/>
           </a:p>
           <a:p>
             <a:pPr lvl="1"/>
@@ -1887,7 +2057,6 @@
               <a:rPr lang="zh-CN" altLang="en-US" dirty="0"/>
               <a:t>第二级</a:t>
             </a:r>
-            <a:endParaRPr lang="zh-CN" altLang="en-US" dirty="0"/>
           </a:p>
           <a:p>
             <a:pPr lvl="2"/>
@@ -1895,7 +2064,6 @@
               <a:rPr lang="zh-CN" altLang="en-US" dirty="0"/>
               <a:t>第三级</a:t>
             </a:r>
-            <a:endParaRPr lang="zh-CN" altLang="en-US" dirty="0"/>
           </a:p>
           <a:p>
             <a:pPr lvl="3"/>
@@ -1903,7 +2071,6 @@
               <a:rPr lang="zh-CN" altLang="en-US" dirty="0"/>
               <a:t>第四级</a:t>
             </a:r>
-            <a:endParaRPr lang="zh-CN" altLang="en-US" dirty="0"/>
           </a:p>
         </p:txBody>
       </p:sp>
@@ -1965,7 +2132,6 @@
               <a:rPr lang="zh-CN" altLang="en-US" dirty="0"/>
               <a:t>单击此处编辑母版文本样式</a:t>
             </a:r>
-            <a:endParaRPr lang="zh-CN" altLang="en-US" dirty="0"/>
           </a:p>
         </p:txBody>
       </p:sp>
@@ -2026,6 +2192,7 @@
             </a:pPr>
             <a:fld id="{4BCD4F28-99F7-483B-9A2D-5E3B2E8C9EEF}" type="slidenum">
               <a:rPr lang="zh-CN" altLang="zh-CN"/>
+              <a:t>‹#›</a:t>
             </a:fld>
             <a:endParaRPr lang="zh-CN" altLang="zh-CN" sz="3200" b="0"/>
           </a:p>
@@ -2137,7 +2304,6 @@
               <a:rPr lang="zh-CN" altLang="en-US" dirty="0"/>
               <a:t> 单击此处编辑母版文本样式</a:t>
             </a:r>
-            <a:endParaRPr lang="zh-CN" altLang="en-US" dirty="0"/>
           </a:p>
           <a:p>
             <a:pPr lvl="1"/>
@@ -2145,7 +2311,6 @@
               <a:rPr lang="zh-CN" altLang="en-US" dirty="0"/>
               <a:t> 第二级</a:t>
             </a:r>
-            <a:endParaRPr lang="zh-CN" altLang="en-US" dirty="0"/>
           </a:p>
           <a:p>
             <a:pPr lvl="2"/>
@@ -2153,7 +2318,6 @@
               <a:rPr lang="zh-CN" altLang="en-US" dirty="0"/>
               <a:t>第三级</a:t>
             </a:r>
-            <a:endParaRPr lang="zh-CN" altLang="en-US" dirty="0"/>
           </a:p>
           <a:p>
             <a:pPr lvl="3"/>
@@ -2161,7 +2325,6 @@
               <a:rPr lang="zh-CN" altLang="en-US" dirty="0"/>
               <a:t>第四级</a:t>
             </a:r>
-            <a:endParaRPr lang="zh-CN" altLang="en-US" dirty="0"/>
           </a:p>
         </p:txBody>
       </p:sp>
@@ -2225,7 +2388,6 @@
               <a:rPr lang="zh-CN" altLang="en-US" dirty="0"/>
               <a:t>单击此处编辑母版文本样式</a:t>
             </a:r>
-            <a:endParaRPr lang="zh-CN" altLang="en-US" dirty="0"/>
           </a:p>
         </p:txBody>
       </p:sp>
@@ -2319,7 +2481,6 @@
               <a:rPr lang="zh-CN" altLang="en-US" dirty="0"/>
               <a:t>单击此处编辑母版文本样式</a:t>
             </a:r>
-            <a:endParaRPr lang="zh-CN" altLang="en-US" dirty="0"/>
           </a:p>
           <a:p>
             <a:pPr lvl="1"/>
@@ -2327,7 +2488,6 @@
               <a:rPr lang="zh-CN" altLang="en-US" dirty="0"/>
               <a:t>第二级</a:t>
             </a:r>
-            <a:endParaRPr lang="zh-CN" altLang="en-US" dirty="0"/>
           </a:p>
           <a:p>
             <a:pPr lvl="2"/>
@@ -2335,7 +2495,6 @@
               <a:rPr lang="zh-CN" altLang="en-US" dirty="0"/>
               <a:t>第三级</a:t>
             </a:r>
-            <a:endParaRPr lang="zh-CN" altLang="en-US" dirty="0"/>
           </a:p>
           <a:p>
             <a:pPr lvl="3"/>
@@ -2343,7 +2502,6 @@
               <a:rPr lang="zh-CN" altLang="en-US" dirty="0"/>
               <a:t>第四级</a:t>
             </a:r>
-            <a:endParaRPr lang="zh-CN" altLang="en-US" dirty="0"/>
           </a:p>
         </p:txBody>
       </p:sp>
@@ -2405,7 +2563,6 @@
               <a:rPr lang="zh-CN" altLang="en-US" dirty="0"/>
               <a:t>单击此处编辑母版文本样式</a:t>
             </a:r>
-            <a:endParaRPr lang="zh-CN" altLang="en-US" dirty="0"/>
           </a:p>
         </p:txBody>
       </p:sp>
@@ -2466,6 +2623,7 @@
             </a:pPr>
             <a:fld id="{4BCD4F28-99F7-483B-9A2D-5E3B2E8C9EEF}" type="slidenum">
               <a:rPr lang="zh-CN" altLang="zh-CN"/>
+              <a:t>‹#›</a:t>
             </a:fld>
             <a:endParaRPr lang="zh-CN" altLang="zh-CN" sz="3200" b="0"/>
           </a:p>
@@ -2577,7 +2735,6 @@
               <a:rPr lang="zh-CN" altLang="en-US" dirty="0"/>
               <a:t> 单击此处编辑母版文本样式</a:t>
             </a:r>
-            <a:endParaRPr lang="zh-CN" altLang="en-US" dirty="0"/>
           </a:p>
           <a:p>
             <a:pPr lvl="1"/>
@@ -2585,7 +2742,6 @@
               <a:rPr lang="zh-CN" altLang="en-US" dirty="0"/>
               <a:t> 第二级</a:t>
             </a:r>
-            <a:endParaRPr lang="zh-CN" altLang="en-US" dirty="0"/>
           </a:p>
           <a:p>
             <a:pPr lvl="2"/>
@@ -2593,7 +2749,6 @@
               <a:rPr lang="zh-CN" altLang="en-US" dirty="0"/>
               <a:t>第三级</a:t>
             </a:r>
-            <a:endParaRPr lang="zh-CN" altLang="en-US" dirty="0"/>
           </a:p>
           <a:p>
             <a:pPr lvl="3"/>
@@ -2601,7 +2756,6 @@
               <a:rPr lang="zh-CN" altLang="en-US" dirty="0"/>
               <a:t>第四级</a:t>
             </a:r>
-            <a:endParaRPr lang="zh-CN" altLang="en-US" dirty="0"/>
           </a:p>
         </p:txBody>
       </p:sp>
@@ -2665,7 +2819,6 @@
               <a:rPr lang="zh-CN" altLang="en-US" dirty="0"/>
               <a:t>单击此处编辑母版文本样式</a:t>
             </a:r>
-            <a:endParaRPr lang="zh-CN" altLang="en-US" dirty="0"/>
           </a:p>
         </p:txBody>
       </p:sp>
@@ -2718,6 +2871,7 @@
             </a:pPr>
             <a:fld id="{4BCD4F28-99F7-483B-9A2D-5E3B2E8C9EEF}" type="slidenum">
               <a:rPr lang="zh-CN" altLang="zh-CN"/>
+              <a:t>‹#›</a:t>
             </a:fld>
             <a:endParaRPr lang="zh-CN" altLang="zh-CN" sz="3200" b="0"/>
           </a:p>
@@ -2776,6 +2930,7 @@
           <a:p>
             <a:fld id="{82F288E0-7875-42C4-84C8-98DBBD3BF4D2}" type="datetimeFigureOut">
               <a:rPr lang="zh-CN" altLang="en-US" smtClean="0"/>
+              <a:t>2020/4/20</a:t>
             </a:fld>
             <a:endParaRPr lang="zh-CN" altLang="en-US"/>
           </a:p>
@@ -2831,6 +2986,7 @@
             </a:pPr>
             <a:fld id="{2A4DE254-CAD5-4B8E-9712-9468A839C993}" type="slidenum">
               <a:rPr lang="zh-CN" altLang="zh-CN"/>
+              <a:t>‹#›</a:t>
             </a:fld>
             <a:endParaRPr lang="zh-CN" altLang="zh-CN"/>
           </a:p>
@@ -2904,7 +3060,6 @@
               <a:rPr lang="zh-CN" altLang="en-US"/>
               <a:t>单击此处编辑标题样式</a:t>
             </a:r>
-            <a:endParaRPr lang="zh-CN" altLang="en-US"/>
           </a:p>
         </p:txBody>
       </p:sp>
@@ -2958,7 +3113,6 @@
               <a:rPr lang="zh-CN" altLang="en-US"/>
               <a:t>单击此处编辑母版文本样式</a:t>
             </a:r>
-            <a:endParaRPr lang="zh-CN" altLang="en-US"/>
           </a:p>
           <a:p>
             <a:pPr lvl="1"/>
@@ -2966,7 +3120,6 @@
               <a:rPr lang="zh-CN" altLang="en-US"/>
               <a:t>第二级</a:t>
             </a:r>
-            <a:endParaRPr lang="zh-CN" altLang="en-US"/>
           </a:p>
           <a:p>
             <a:pPr lvl="2"/>
@@ -2974,7 +3127,6 @@
               <a:rPr lang="zh-CN" altLang="en-US"/>
               <a:t>第三级</a:t>
             </a:r>
-            <a:endParaRPr lang="zh-CN" altLang="en-US"/>
           </a:p>
           <a:p>
             <a:pPr lvl="3"/>
@@ -2982,7 +3134,6 @@
               <a:rPr lang="zh-CN" altLang="en-US"/>
               <a:t>第四级</a:t>
             </a:r>
-            <a:endParaRPr lang="zh-CN" altLang="en-US"/>
           </a:p>
           <a:p>
             <a:pPr lvl="4"/>
@@ -2990,7 +3141,6 @@
               <a:rPr lang="zh-CN" altLang="en-US"/>
               <a:t>第五级</a:t>
             </a:r>
-            <a:endParaRPr lang="zh-CN" altLang="en-US"/>
           </a:p>
         </p:txBody>
       </p:sp>
@@ -3138,7 +3288,6 @@
               <a:rPr lang="zh-CN" altLang="en-US" dirty="0"/>
               <a:t>单击此处编辑母版文本样式</a:t>
             </a:r>
-            <a:endParaRPr lang="zh-CN" altLang="en-US" dirty="0"/>
           </a:p>
           <a:p>
             <a:pPr lvl="1"/>
@@ -3146,7 +3295,6 @@
               <a:rPr lang="zh-CN" altLang="en-US" dirty="0"/>
               <a:t>第二级</a:t>
             </a:r>
-            <a:endParaRPr lang="zh-CN" altLang="en-US" dirty="0"/>
           </a:p>
           <a:p>
             <a:pPr lvl="2"/>
@@ -3154,7 +3302,6 @@
               <a:rPr lang="zh-CN" altLang="en-US" dirty="0"/>
               <a:t>第三级</a:t>
             </a:r>
-            <a:endParaRPr lang="zh-CN" altLang="en-US" dirty="0"/>
           </a:p>
           <a:p>
             <a:pPr lvl="3"/>
@@ -3162,7 +3309,6 @@
               <a:rPr lang="zh-CN" altLang="en-US" dirty="0"/>
               <a:t>第四级</a:t>
             </a:r>
-            <a:endParaRPr lang="zh-CN" altLang="en-US" dirty="0"/>
           </a:p>
         </p:txBody>
       </p:sp>
@@ -3224,7 +3370,6 @@
               <a:rPr lang="zh-CN" altLang="en-US" dirty="0"/>
               <a:t>单击此处编辑母版文本样式</a:t>
             </a:r>
-            <a:endParaRPr lang="zh-CN" altLang="en-US" dirty="0"/>
           </a:p>
         </p:txBody>
       </p:sp>
@@ -3285,6 +3430,7 @@
             </a:pPr>
             <a:fld id="{4BCD4F28-99F7-483B-9A2D-5E3B2E8C9EEF}" type="slidenum">
               <a:rPr lang="zh-CN" altLang="zh-CN"/>
+              <a:t>‹#›</a:t>
             </a:fld>
             <a:endParaRPr lang="zh-CN" altLang="zh-CN" sz="3200" b="0"/>
           </a:p>
@@ -3304,7 +3450,7 @@
     <p:bg>
       <p:bgPr>
         <a:blipFill dpi="0" rotWithShape="1">
-          <a:blip r:embed="rId4">
+          <a:blip r:embed="rId5">
             <a:lum/>
           </a:blip>
           <a:srcRect/>
@@ -3358,7 +3504,6 @@
               <a:rPr lang="zh-CN" altLang="en-US"/>
               <a:t>单击此处编辑母版标题样式</a:t>
             </a:r>
-            <a:endParaRPr lang="zh-CN" altLang="en-US"/>
           </a:p>
         </p:txBody>
       </p:sp>
@@ -3392,7 +3537,6 @@
               <a:rPr lang="zh-CN" altLang="en-US"/>
               <a:t>单击此处编辑母版文本样式</a:t>
             </a:r>
-            <a:endParaRPr lang="zh-CN" altLang="en-US"/>
           </a:p>
           <a:p>
             <a:pPr marL="720090" lvl="1" indent="-229870" algn="l" defTabSz="0" rtl="0" eaLnBrk="1" fontAlgn="base" hangingPunct="1">
@@ -3416,7 +3560,6 @@
               <a:rPr lang="zh-CN" altLang="en-US"/>
               <a:t>第二级</a:t>
             </a:r>
-            <a:endParaRPr lang="zh-CN" altLang="en-US"/>
           </a:p>
           <a:p>
             <a:pPr lvl="2"/>
@@ -3424,7 +3567,6 @@
               <a:rPr lang="zh-CN" altLang="en-US"/>
               <a:t>第三级</a:t>
             </a:r>
-            <a:endParaRPr lang="zh-CN" altLang="en-US"/>
           </a:p>
           <a:p>
             <a:pPr lvl="3"/>
@@ -3432,7 +3574,6 @@
               <a:rPr lang="zh-CN" altLang="en-US"/>
               <a:t>第四级</a:t>
             </a:r>
-            <a:endParaRPr lang="zh-CN" altLang="en-US"/>
           </a:p>
           <a:p>
             <a:pPr lvl="4"/>
@@ -3440,7 +3581,6 @@
               <a:rPr lang="zh-CN" altLang="en-US"/>
               <a:t>第五级</a:t>
             </a:r>
-            <a:endParaRPr lang="zh-CN" altLang="en-US"/>
           </a:p>
         </p:txBody>
       </p:sp>
@@ -3453,7 +3593,7 @@
           <p:nvPr userDrawn="1"/>
         </p:nvPicPr>
         <p:blipFill>
-          <a:blip r:embed="rId5">
+          <a:blip r:embed="rId6">
             <a:extLst>
               <a:ext uri="{28A0092B-C50C-407E-A947-70E740481C1C}">
                 <a14:useLocalDpi xmlns:a14="http://schemas.microsoft.com/office/drawing/2010/main" val="0"/>
@@ -3531,7 +3671,7 @@
         <a:buSzPct val="70000"/>
         <a:buFontTx/>
         <a:buBlip>
-          <a:blip r:embed="rId6"/>
+          <a:blip r:embed="rId7"/>
         </a:buBlip>
         <a:defRPr sz="2800" kern="1200">
           <a:solidFill>
@@ -3772,7 +3912,7 @@
     <p:bg bwMode="auto">
       <p:bgPr>
         <a:blipFill dpi="0" rotWithShape="0">
-          <a:blip r:embed="rId4"/>
+          <a:blip r:embed="rId5"/>
           <a:srcRect/>
           <a:stretch>
             <a:fillRect/>
@@ -3835,6 +3975,7 @@
             </a:pPr>
             <a:fld id="{2A4DE254-CAD5-4B8E-9712-9468A839C993}" type="slidenum">
               <a:rPr lang="zh-CN" altLang="zh-CN"/>
+              <a:t>‹#›</a:t>
             </a:fld>
             <a:endParaRPr lang="zh-CN" altLang="zh-CN"/>
           </a:p>
@@ -3849,7 +3990,7 @@
           <p:nvPr/>
         </p:nvPicPr>
         <p:blipFill>
-          <a:blip r:embed="rId5">
+          <a:blip r:embed="rId6">
             <a:extLst>
               <a:ext uri="{28A0092B-C50C-407E-A947-70E740481C1C}">
                 <a14:useLocalDpi xmlns:a14="http://schemas.microsoft.com/office/drawing/2010/main" val="0"/>
@@ -3903,7 +4044,7 @@
           <p:nvPr/>
         </p:nvPicPr>
         <p:blipFill>
-          <a:blip r:embed="rId6">
+          <a:blip r:embed="rId7">
             <a:extLst>
               <a:ext uri="{28A0092B-C50C-407E-A947-70E740481C1C}">
                 <a14:useLocalDpi xmlns:a14="http://schemas.microsoft.com/office/drawing/2010/main" val="0"/>
@@ -4375,474 +4516,6 @@
     <p:bg>
       <p:bgPr>
         <a:blipFill dpi="0" rotWithShape="1">
-          <a:blip r:embed="rId4">
-            <a:lum/>
-          </a:blip>
-          <a:srcRect/>
-          <a:stretch>
-            <a:fillRect/>
-          </a:stretch>
-        </a:blipFill>
-        <a:effectLst/>
-      </p:bgPr>
-    </p:bg>
-    <p:spTree>
-      <p:nvGrpSpPr>
-        <p:cNvPr id="1" name=""/>
-        <p:cNvGrpSpPr/>
-        <p:nvPr/>
-      </p:nvGrpSpPr>
-      <p:grpSpPr>
-        <a:xfrm>
-          <a:off x="0" y="0"/>
-          <a:ext cx="0" cy="0"/>
-          <a:chOff x="0" y="0"/>
-          <a:chExt cx="0" cy="0"/>
-        </a:xfrm>
-      </p:grpSpPr>
-      <p:sp>
-        <p:nvSpPr>
-          <p:cNvPr id="2" name="标题占位符 1"/>
-          <p:cNvSpPr>
-            <a:spLocks noGrp="1"/>
-          </p:cNvSpPr>
-          <p:nvPr>
-            <p:ph type="title"/>
-          </p:nvPr>
-        </p:nvSpPr>
-        <p:spPr>
-          <a:xfrm>
-            <a:off x="801623" y="260649"/>
-            <a:ext cx="9422837" cy="514351"/>
-          </a:xfrm>
-          <a:prstGeom prst="rect">
-            <a:avLst/>
-          </a:prstGeom>
-        </p:spPr>
-        <p:txBody>
-          <a:bodyPr vert="horz" lIns="91440" tIns="45720" rIns="91440" bIns="45720" rtlCol="0" anchor="ctr">
-            <a:normAutofit/>
-          </a:bodyPr>
-          <a:lstStyle/>
-          <a:p>
-            <a:r>
-              <a:rPr lang="zh-CN" altLang="en-US"/>
-              <a:t>单击此处编辑母版标题样式</a:t>
-            </a:r>
-            <a:endParaRPr lang="zh-CN" altLang="en-US"/>
-          </a:p>
-        </p:txBody>
-      </p:sp>
-      <p:sp>
-        <p:nvSpPr>
-          <p:cNvPr id="3" name="文本占位符 2"/>
-          <p:cNvSpPr>
-            <a:spLocks noGrp="1"/>
-          </p:cNvSpPr>
-          <p:nvPr>
-            <p:ph type="body" idx="1"/>
-          </p:nvPr>
-        </p:nvSpPr>
-        <p:spPr>
-          <a:xfrm>
-            <a:off x="719403" y="1124745"/>
-            <a:ext cx="10972800" cy="4525963"/>
-          </a:xfrm>
-          <a:prstGeom prst="rect">
-            <a:avLst/>
-          </a:prstGeom>
-        </p:spPr>
-        <p:txBody>
-          <a:bodyPr vert="horz" lIns="91440" tIns="45720" rIns="91440" bIns="45720" rtlCol="0">
-            <a:normAutofit/>
-          </a:bodyPr>
-          <a:lstStyle/>
-          <a:p>
-            <a:pPr lvl="0"/>
-            <a:r>
-              <a:rPr lang="zh-CN" altLang="en-US"/>
-              <a:t>单击此处编辑母版文本样式</a:t>
-            </a:r>
-            <a:endParaRPr lang="zh-CN" altLang="en-US"/>
-          </a:p>
-          <a:p>
-            <a:pPr marL="720090" lvl="1" indent="-229870" algn="l" defTabSz="0" rtl="0" eaLnBrk="1" fontAlgn="base" hangingPunct="1">
-              <a:lnSpc>
-                <a:spcPct val="150000"/>
-              </a:lnSpc>
-              <a:spcBef>
-                <a:spcPct val="0"/>
-              </a:spcBef>
-              <a:spcAft>
-                <a:spcPct val="15000"/>
-              </a:spcAft>
-              <a:buClr>
-                <a:schemeClr val="tx2"/>
-              </a:buClr>
-              <a:buSzPct val="60000"/>
-              <a:buFont typeface="Wingdings" panose="05000000000000000000" pitchFamily="2" charset="2"/>
-              <a:buChar char="u"/>
-            </a:pPr>
-            <a:r>
-              <a:rPr lang="zh-CN" altLang="en-US"/>
-              <a:t>第二级</a:t>
-            </a:r>
-            <a:endParaRPr lang="zh-CN" altLang="en-US"/>
-          </a:p>
-          <a:p>
-            <a:pPr lvl="2"/>
-            <a:r>
-              <a:rPr lang="zh-CN" altLang="en-US"/>
-              <a:t>第三级</a:t>
-            </a:r>
-            <a:endParaRPr lang="zh-CN" altLang="en-US"/>
-          </a:p>
-          <a:p>
-            <a:pPr lvl="3"/>
-            <a:r>
-              <a:rPr lang="zh-CN" altLang="en-US"/>
-              <a:t>第四级</a:t>
-            </a:r>
-            <a:endParaRPr lang="zh-CN" altLang="en-US"/>
-          </a:p>
-          <a:p>
-            <a:pPr lvl="4"/>
-            <a:r>
-              <a:rPr lang="zh-CN" altLang="en-US"/>
-              <a:t>第五级</a:t>
-            </a:r>
-            <a:endParaRPr lang="zh-CN" altLang="en-US"/>
-          </a:p>
-        </p:txBody>
-      </p:sp>
-      <p:pic>
-        <p:nvPicPr>
-          <p:cNvPr id="8" name="Picture 16" descr="C:\Program Files\Microsoft Office\MEDIA\OFFICE14\Lines\BD14769_.gif"/>
-          <p:cNvPicPr>
-            <a:picLocks noChangeAspect="1" noChangeArrowheads="1"/>
-          </p:cNvPicPr>
-          <p:nvPr userDrawn="1"/>
-        </p:nvPicPr>
-        <p:blipFill>
-          <a:blip r:embed="rId5">
-            <a:extLst>
-              <a:ext uri="{28A0092B-C50C-407E-A947-70E740481C1C}">
-                <a14:useLocalDpi xmlns:a14="http://schemas.microsoft.com/office/drawing/2010/main" val="0"/>
-              </a:ext>
-            </a:extLst>
-          </a:blip>
-          <a:srcRect/>
-          <a:stretch>
-            <a:fillRect/>
-          </a:stretch>
-        </p:blipFill>
-        <p:spPr bwMode="auto">
-          <a:xfrm>
-            <a:off x="623392" y="788988"/>
-            <a:ext cx="7620000" cy="95251"/>
-          </a:xfrm>
-          <a:prstGeom prst="rect">
-            <a:avLst/>
-          </a:prstGeom>
-          <a:noFill/>
-          <a:ln>
-            <a:noFill/>
-          </a:ln>
-          <a:extLst>
-            <a:ext uri="{909E8E84-426E-40DD-AFC4-6F175D3DCCD1}">
-              <a14:hiddenFill xmlns:a14="http://schemas.microsoft.com/office/drawing/2010/main">
-                <a:solidFill>
-                  <a:srgbClr val="FFFFFF"/>
-                </a:solidFill>
-              </a14:hiddenFill>
-            </a:ext>
-            <a:ext uri="{91240B29-F687-4F45-9708-019B960494DF}">
-              <a14:hiddenLine xmlns:a14="http://schemas.microsoft.com/office/drawing/2010/main" w="9525">
-                <a:solidFill>
-                  <a:srgbClr val="000000"/>
-                </a:solidFill>
-                <a:miter lim="800000"/>
-                <a:headEnd/>
-                <a:tailEnd/>
-              </a14:hiddenLine>
-            </a:ext>
-          </a:extLst>
-        </p:spPr>
-      </p:pic>
-    </p:spTree>
-  </p:cSld>
-  <p:clrMap bg1="lt1" tx1="dk1" bg2="lt2" tx2="dk2" accent1="accent1" accent2="accent2" accent3="accent3" accent4="accent4" accent5="accent5" accent6="accent6" hlink="hlink" folHlink="folHlink"/>
-  <p:sldLayoutIdLst>
-    <p:sldLayoutId id="2147483657" r:id="rId1"/>
-    <p:sldLayoutId id="2147483658" r:id="rId2"/>
-    <p:sldLayoutId id="2147483659" r:id="rId3"/>
-  </p:sldLayoutIdLst>
-  <p:txStyles>
-    <p:titleStyle>
-      <a:lvl1pPr algn="l" defTabSz="913765" rtl="0" eaLnBrk="1" latinLnBrk="0" hangingPunct="1">
-        <a:spcBef>
-          <a:spcPct val="0"/>
-        </a:spcBef>
-        <a:buNone/>
-        <a:defRPr sz="4400" kern="1200">
-          <a:solidFill>
-            <a:schemeClr val="tx1"/>
-          </a:solidFill>
-          <a:latin typeface="+mj-lt"/>
-          <a:ea typeface="+mj-ea"/>
-          <a:cs typeface="+mj-cs"/>
-        </a:defRPr>
-      </a:lvl1pPr>
-    </p:titleStyle>
-    <p:bodyStyle>
-      <a:lvl1pPr marL="342900" indent="-342900" algn="l" defTabSz="913765" rtl="0" eaLnBrk="1" latinLnBrk="0" hangingPunct="1">
-        <a:spcBef>
-          <a:spcPct val="20000"/>
-        </a:spcBef>
-        <a:buSzPct val="70000"/>
-        <a:buFontTx/>
-        <a:buBlip>
-          <a:blip r:embed="rId6"/>
-        </a:buBlip>
-        <a:defRPr sz="2800" kern="1200">
-          <a:solidFill>
-            <a:schemeClr val="tx1"/>
-          </a:solidFill>
-          <a:latin typeface="微软雅黑" panose="020B0503020204020204" pitchFamily="34" charset="-122"/>
-          <a:ea typeface="微软雅黑" panose="020B0503020204020204" pitchFamily="34" charset="-122"/>
-          <a:cs typeface="+mn-cs"/>
-        </a:defRPr>
-      </a:lvl1pPr>
-      <a:lvl2pPr marL="946785" indent="-457200" algn="l" defTabSz="913765" rtl="0" eaLnBrk="1" latinLnBrk="0" hangingPunct="1">
-        <a:spcBef>
-          <a:spcPct val="20000"/>
-        </a:spcBef>
-        <a:buClr>
-          <a:srgbClr val="008080"/>
-        </a:buClr>
-        <a:buSzPct val="50000"/>
-        <a:buFont typeface="+mj-lt"/>
-        <a:buAutoNum type="arabicPeriod"/>
-        <a:defRPr lang="zh-CN" altLang="en-US" sz="2400" kern="1200" smtClean="0">
-          <a:solidFill>
-            <a:schemeClr val="tx1"/>
-          </a:solidFill>
-          <a:latin typeface="微软雅黑" panose="020B0503020204020204" pitchFamily="34" charset="-122"/>
-          <a:ea typeface="微软雅黑" panose="020B0503020204020204" pitchFamily="34" charset="-122"/>
-          <a:cs typeface="+mn-cs"/>
-        </a:defRPr>
-      </a:lvl2pPr>
-      <a:lvl3pPr marL="1143000" indent="-228600" algn="l" defTabSz="913765" rtl="0" eaLnBrk="1" latinLnBrk="0" hangingPunct="1">
-        <a:spcBef>
-          <a:spcPct val="20000"/>
-        </a:spcBef>
-        <a:buFont typeface="Arial" panose="020B0604020202020204" pitchFamily="34" charset="0"/>
-        <a:buChar char="•"/>
-        <a:defRPr sz="2400" kern="1200">
-          <a:solidFill>
-            <a:schemeClr val="tx1"/>
-          </a:solidFill>
-          <a:latin typeface="+mn-lt"/>
-          <a:ea typeface="+mn-ea"/>
-          <a:cs typeface="+mn-cs"/>
-        </a:defRPr>
-      </a:lvl3pPr>
-      <a:lvl4pPr marL="1600200" indent="-228600" algn="l" defTabSz="913765" rtl="0" eaLnBrk="1" latinLnBrk="0" hangingPunct="1">
-        <a:spcBef>
-          <a:spcPct val="20000"/>
-        </a:spcBef>
-        <a:buFont typeface="Arial" panose="020B0604020202020204" pitchFamily="34" charset="0"/>
-        <a:buChar char="–"/>
-        <a:defRPr sz="2000" kern="1200">
-          <a:solidFill>
-            <a:schemeClr val="tx1"/>
-          </a:solidFill>
-          <a:latin typeface="+mn-lt"/>
-          <a:ea typeface="+mn-ea"/>
-          <a:cs typeface="+mn-cs"/>
-        </a:defRPr>
-      </a:lvl4pPr>
-      <a:lvl5pPr marL="2057400" indent="-228600" algn="l" defTabSz="913765" rtl="0" eaLnBrk="1" latinLnBrk="0" hangingPunct="1">
-        <a:spcBef>
-          <a:spcPct val="20000"/>
-        </a:spcBef>
-        <a:buFont typeface="Arial" panose="020B0604020202020204" pitchFamily="34" charset="0"/>
-        <a:buChar char="»"/>
-        <a:defRPr sz="2000" kern="1200">
-          <a:solidFill>
-            <a:schemeClr val="tx1"/>
-          </a:solidFill>
-          <a:latin typeface="+mn-lt"/>
-          <a:ea typeface="+mn-ea"/>
-          <a:cs typeface="+mn-cs"/>
-        </a:defRPr>
-      </a:lvl5pPr>
-      <a:lvl6pPr marL="2514600" indent="-228600" algn="l" defTabSz="913765" rtl="0" eaLnBrk="1" latinLnBrk="0" hangingPunct="1">
-        <a:spcBef>
-          <a:spcPct val="20000"/>
-        </a:spcBef>
-        <a:buFont typeface="Arial" panose="020B0604020202020204" pitchFamily="34" charset="0"/>
-        <a:buChar char="•"/>
-        <a:defRPr sz="2000" kern="1200">
-          <a:solidFill>
-            <a:schemeClr val="tx1"/>
-          </a:solidFill>
-          <a:latin typeface="+mn-lt"/>
-          <a:ea typeface="+mn-ea"/>
-          <a:cs typeface="+mn-cs"/>
-        </a:defRPr>
-      </a:lvl6pPr>
-      <a:lvl7pPr marL="2971800" indent="-228600" algn="l" defTabSz="913765" rtl="0" eaLnBrk="1" latinLnBrk="0" hangingPunct="1">
-        <a:spcBef>
-          <a:spcPct val="20000"/>
-        </a:spcBef>
-        <a:buFont typeface="Arial" panose="020B0604020202020204" pitchFamily="34" charset="0"/>
-        <a:buChar char="•"/>
-        <a:defRPr sz="2000" kern="1200">
-          <a:solidFill>
-            <a:schemeClr val="tx1"/>
-          </a:solidFill>
-          <a:latin typeface="+mn-lt"/>
-          <a:ea typeface="+mn-ea"/>
-          <a:cs typeface="+mn-cs"/>
-        </a:defRPr>
-      </a:lvl7pPr>
-      <a:lvl8pPr marL="3429000" indent="-228600" algn="l" defTabSz="913765" rtl="0" eaLnBrk="1" latinLnBrk="0" hangingPunct="1">
-        <a:spcBef>
-          <a:spcPct val="20000"/>
-        </a:spcBef>
-        <a:buFont typeface="Arial" panose="020B0604020202020204" pitchFamily="34" charset="0"/>
-        <a:buChar char="•"/>
-        <a:defRPr sz="2000" kern="1200">
-          <a:solidFill>
-            <a:schemeClr val="tx1"/>
-          </a:solidFill>
-          <a:latin typeface="+mn-lt"/>
-          <a:ea typeface="+mn-ea"/>
-          <a:cs typeface="+mn-cs"/>
-        </a:defRPr>
-      </a:lvl8pPr>
-      <a:lvl9pPr marL="3886200" indent="-228600" algn="l" defTabSz="913765" rtl="0" eaLnBrk="1" latinLnBrk="0" hangingPunct="1">
-        <a:spcBef>
-          <a:spcPct val="20000"/>
-        </a:spcBef>
-        <a:buFont typeface="Arial" panose="020B0604020202020204" pitchFamily="34" charset="0"/>
-        <a:buChar char="•"/>
-        <a:defRPr sz="2000" kern="1200">
-          <a:solidFill>
-            <a:schemeClr val="tx1"/>
-          </a:solidFill>
-          <a:latin typeface="+mn-lt"/>
-          <a:ea typeface="+mn-ea"/>
-          <a:cs typeface="+mn-cs"/>
-        </a:defRPr>
-      </a:lvl9pPr>
-    </p:bodyStyle>
-    <p:otherStyle>
-      <a:defPPr>
-        <a:defRPr lang="zh-CN"/>
-      </a:defPPr>
-      <a:lvl1pPr marL="0" algn="l" defTabSz="913765" rtl="0" eaLnBrk="1" latinLnBrk="0" hangingPunct="1">
-        <a:defRPr sz="1800" kern="1200">
-          <a:solidFill>
-            <a:schemeClr val="tx1"/>
-          </a:solidFill>
-          <a:latin typeface="+mn-lt"/>
-          <a:ea typeface="+mn-ea"/>
-          <a:cs typeface="+mn-cs"/>
-        </a:defRPr>
-      </a:lvl1pPr>
-      <a:lvl2pPr marL="457200" algn="l" defTabSz="913765" rtl="0" eaLnBrk="1" latinLnBrk="0" hangingPunct="1">
-        <a:defRPr sz="1800" kern="1200">
-          <a:solidFill>
-            <a:schemeClr val="tx1"/>
-          </a:solidFill>
-          <a:latin typeface="+mn-lt"/>
-          <a:ea typeface="+mn-ea"/>
-          <a:cs typeface="+mn-cs"/>
-        </a:defRPr>
-      </a:lvl2pPr>
-      <a:lvl3pPr marL="914400" algn="l" defTabSz="913765" rtl="0" eaLnBrk="1" latinLnBrk="0" hangingPunct="1">
-        <a:defRPr sz="1800" kern="1200">
-          <a:solidFill>
-            <a:schemeClr val="tx1"/>
-          </a:solidFill>
-          <a:latin typeface="+mn-lt"/>
-          <a:ea typeface="+mn-ea"/>
-          <a:cs typeface="+mn-cs"/>
-        </a:defRPr>
-      </a:lvl3pPr>
-      <a:lvl4pPr marL="1371600" algn="l" defTabSz="913765" rtl="0" eaLnBrk="1" latinLnBrk="0" hangingPunct="1">
-        <a:defRPr sz="1800" kern="1200">
-          <a:solidFill>
-            <a:schemeClr val="tx1"/>
-          </a:solidFill>
-          <a:latin typeface="+mn-lt"/>
-          <a:ea typeface="+mn-ea"/>
-          <a:cs typeface="+mn-cs"/>
-        </a:defRPr>
-      </a:lvl4pPr>
-      <a:lvl5pPr marL="1828800" algn="l" defTabSz="913765" rtl="0" eaLnBrk="1" latinLnBrk="0" hangingPunct="1">
-        <a:defRPr sz="1800" kern="1200">
-          <a:solidFill>
-            <a:schemeClr val="tx1"/>
-          </a:solidFill>
-          <a:latin typeface="+mn-lt"/>
-          <a:ea typeface="+mn-ea"/>
-          <a:cs typeface="+mn-cs"/>
-        </a:defRPr>
-      </a:lvl5pPr>
-      <a:lvl6pPr marL="2286000" algn="l" defTabSz="913765" rtl="0" eaLnBrk="1" latinLnBrk="0" hangingPunct="1">
-        <a:defRPr sz="1800" kern="1200">
-          <a:solidFill>
-            <a:schemeClr val="tx1"/>
-          </a:solidFill>
-          <a:latin typeface="+mn-lt"/>
-          <a:ea typeface="+mn-ea"/>
-          <a:cs typeface="+mn-cs"/>
-        </a:defRPr>
-      </a:lvl6pPr>
-      <a:lvl7pPr marL="2743200" algn="l" defTabSz="913765" rtl="0" eaLnBrk="1" latinLnBrk="0" hangingPunct="1">
-        <a:defRPr sz="1800" kern="1200">
-          <a:solidFill>
-            <a:schemeClr val="tx1"/>
-          </a:solidFill>
-          <a:latin typeface="+mn-lt"/>
-          <a:ea typeface="+mn-ea"/>
-          <a:cs typeface="+mn-cs"/>
-        </a:defRPr>
-      </a:lvl7pPr>
-      <a:lvl8pPr marL="3200400" algn="l" defTabSz="913765" rtl="0" eaLnBrk="1" latinLnBrk="0" hangingPunct="1">
-        <a:defRPr sz="1800" kern="1200">
-          <a:solidFill>
-            <a:schemeClr val="tx1"/>
-          </a:solidFill>
-          <a:latin typeface="+mn-lt"/>
-          <a:ea typeface="+mn-ea"/>
-          <a:cs typeface="+mn-cs"/>
-        </a:defRPr>
-      </a:lvl8pPr>
-      <a:lvl9pPr marL="3657600" algn="l" defTabSz="913765" rtl="0" eaLnBrk="1" latinLnBrk="0" hangingPunct="1">
-        <a:defRPr sz="1800" kern="1200">
-          <a:solidFill>
-            <a:schemeClr val="tx1"/>
-          </a:solidFill>
-          <a:latin typeface="+mn-lt"/>
-          <a:ea typeface="+mn-ea"/>
-          <a:cs typeface="+mn-cs"/>
-        </a:defRPr>
-      </a:lvl9pPr>
-    </p:otherStyle>
-  </p:txStyles>
-</p:sldMaster>
-</file>
-
-<file path=ppt/slideMasters/slideMaster4.xml><?xml version="1.0" encoding="utf-8"?>
-<p:sldMaster xmlns:a="http://schemas.openxmlformats.org/drawingml/2006/main" xmlns:r="http://schemas.openxmlformats.org/officeDocument/2006/relationships" xmlns:p="http://schemas.openxmlformats.org/presentationml/2006/main">
-  <p:cSld>
-    <p:bg>
-      <p:bgPr>
-        <a:blipFill dpi="0" rotWithShape="1">
           <a:blip r:embed="rId5">
             <a:lum/>
           </a:blip>
@@ -4897,7 +4570,6 @@
               <a:rPr lang="zh-CN" altLang="en-US"/>
               <a:t>单击此处编辑母版标题样式</a:t>
             </a:r>
-            <a:endParaRPr lang="zh-CN" altLang="en-US"/>
           </a:p>
         </p:txBody>
       </p:sp>
@@ -4931,7 +4603,6 @@
               <a:rPr lang="zh-CN" altLang="en-US"/>
               <a:t>单击此处编辑母版文本样式</a:t>
             </a:r>
-            <a:endParaRPr lang="zh-CN" altLang="en-US"/>
           </a:p>
           <a:p>
             <a:pPr marL="720090" lvl="1" indent="-229870" algn="l" defTabSz="0" rtl="0" eaLnBrk="1" fontAlgn="base" hangingPunct="1">
@@ -4955,7 +4626,6 @@
               <a:rPr lang="zh-CN" altLang="en-US"/>
               <a:t>第二级</a:t>
             </a:r>
-            <a:endParaRPr lang="zh-CN" altLang="en-US"/>
           </a:p>
           <a:p>
             <a:pPr lvl="2"/>
@@ -4963,7 +4633,6 @@
               <a:rPr lang="zh-CN" altLang="en-US"/>
               <a:t>第三级</a:t>
             </a:r>
-            <a:endParaRPr lang="zh-CN" altLang="en-US"/>
           </a:p>
           <a:p>
             <a:pPr lvl="3"/>
@@ -4971,7 +4640,6 @@
               <a:rPr lang="zh-CN" altLang="en-US"/>
               <a:t>第四级</a:t>
             </a:r>
-            <a:endParaRPr lang="zh-CN" altLang="en-US"/>
           </a:p>
           <a:p>
             <a:pPr lvl="4"/>
@@ -4979,7 +4647,6 @@
               <a:rPr lang="zh-CN" altLang="en-US"/>
               <a:t>第五级</a:t>
             </a:r>
-            <a:endParaRPr lang="zh-CN" altLang="en-US"/>
           </a:p>
         </p:txBody>
       </p:sp>
@@ -5041,10 +4708,9 @@
   </p:cSld>
   <p:clrMap bg1="lt1" tx1="dk1" bg2="lt2" tx2="dk2" accent1="accent1" accent2="accent2" accent3="accent3" accent4="accent4" accent5="accent5" accent6="accent6" hlink="hlink" folHlink="folHlink"/>
   <p:sldLayoutIdLst>
-    <p:sldLayoutId id="2147483661" r:id="rId1"/>
-    <p:sldLayoutId id="2147483662" r:id="rId2"/>
-    <p:sldLayoutId id="2147483663" r:id="rId3"/>
-    <p:sldLayoutId id="2147483664" r:id="rId4"/>
+    <p:sldLayoutId id="2147483657" r:id="rId1"/>
+    <p:sldLayoutId id="2147483658" r:id="rId2"/>
+    <p:sldLayoutId id="2147483659" r:id="rId3"/>
   </p:sldLayoutIdLst>
   <p:txStyles>
     <p:titleStyle>
@@ -5306,6 +4972,469 @@
 </p:sldMaster>
 </file>
 
+<file path=ppt/slideMasters/slideMaster4.xml><?xml version="1.0" encoding="utf-8"?>
+<p:sldMaster xmlns:a="http://schemas.openxmlformats.org/drawingml/2006/main" xmlns:r="http://schemas.openxmlformats.org/officeDocument/2006/relationships" xmlns:p="http://schemas.openxmlformats.org/presentationml/2006/main">
+  <p:cSld>
+    <p:bg>
+      <p:bgPr>
+        <a:blipFill dpi="0" rotWithShape="1">
+          <a:blip r:embed="rId6">
+            <a:lum/>
+          </a:blip>
+          <a:srcRect/>
+          <a:stretch>
+            <a:fillRect/>
+          </a:stretch>
+        </a:blipFill>
+        <a:effectLst/>
+      </p:bgPr>
+    </p:bg>
+    <p:spTree>
+      <p:nvGrpSpPr>
+        <p:cNvPr id="1" name=""/>
+        <p:cNvGrpSpPr/>
+        <p:nvPr/>
+      </p:nvGrpSpPr>
+      <p:grpSpPr>
+        <a:xfrm>
+          <a:off x="0" y="0"/>
+          <a:ext cx="0" cy="0"/>
+          <a:chOff x="0" y="0"/>
+          <a:chExt cx="0" cy="0"/>
+        </a:xfrm>
+      </p:grpSpPr>
+      <p:sp>
+        <p:nvSpPr>
+          <p:cNvPr id="2" name="标题占位符 1"/>
+          <p:cNvSpPr>
+            <a:spLocks noGrp="1"/>
+          </p:cNvSpPr>
+          <p:nvPr>
+            <p:ph type="title"/>
+          </p:nvPr>
+        </p:nvSpPr>
+        <p:spPr>
+          <a:xfrm>
+            <a:off x="801623" y="260649"/>
+            <a:ext cx="9422837" cy="514351"/>
+          </a:xfrm>
+          <a:prstGeom prst="rect">
+            <a:avLst/>
+          </a:prstGeom>
+        </p:spPr>
+        <p:txBody>
+          <a:bodyPr vert="horz" lIns="91440" tIns="45720" rIns="91440" bIns="45720" rtlCol="0" anchor="ctr">
+            <a:normAutofit/>
+          </a:bodyPr>
+          <a:lstStyle/>
+          <a:p>
+            <a:r>
+              <a:rPr lang="zh-CN" altLang="en-US"/>
+              <a:t>单击此处编辑母版标题样式</a:t>
+            </a:r>
+          </a:p>
+        </p:txBody>
+      </p:sp>
+      <p:sp>
+        <p:nvSpPr>
+          <p:cNvPr id="3" name="文本占位符 2"/>
+          <p:cNvSpPr>
+            <a:spLocks noGrp="1"/>
+          </p:cNvSpPr>
+          <p:nvPr>
+            <p:ph type="body" idx="1"/>
+          </p:nvPr>
+        </p:nvSpPr>
+        <p:spPr>
+          <a:xfrm>
+            <a:off x="719403" y="1124745"/>
+            <a:ext cx="10972800" cy="4525963"/>
+          </a:xfrm>
+          <a:prstGeom prst="rect">
+            <a:avLst/>
+          </a:prstGeom>
+        </p:spPr>
+        <p:txBody>
+          <a:bodyPr vert="horz" lIns="91440" tIns="45720" rIns="91440" bIns="45720" rtlCol="0">
+            <a:normAutofit/>
+          </a:bodyPr>
+          <a:lstStyle/>
+          <a:p>
+            <a:pPr lvl="0"/>
+            <a:r>
+              <a:rPr lang="zh-CN" altLang="en-US"/>
+              <a:t>单击此处编辑母版文本样式</a:t>
+            </a:r>
+          </a:p>
+          <a:p>
+            <a:pPr marL="720090" lvl="1" indent="-229870" algn="l" defTabSz="0" rtl="0" eaLnBrk="1" fontAlgn="base" hangingPunct="1">
+              <a:lnSpc>
+                <a:spcPct val="150000"/>
+              </a:lnSpc>
+              <a:spcBef>
+                <a:spcPct val="0"/>
+              </a:spcBef>
+              <a:spcAft>
+                <a:spcPct val="15000"/>
+              </a:spcAft>
+              <a:buClr>
+                <a:schemeClr val="tx2"/>
+              </a:buClr>
+              <a:buSzPct val="60000"/>
+              <a:buFont typeface="Wingdings" panose="05000000000000000000" pitchFamily="2" charset="2"/>
+              <a:buChar char="u"/>
+            </a:pPr>
+            <a:r>
+              <a:rPr lang="zh-CN" altLang="en-US"/>
+              <a:t>第二级</a:t>
+            </a:r>
+          </a:p>
+          <a:p>
+            <a:pPr lvl="2"/>
+            <a:r>
+              <a:rPr lang="zh-CN" altLang="en-US"/>
+              <a:t>第三级</a:t>
+            </a:r>
+          </a:p>
+          <a:p>
+            <a:pPr lvl="3"/>
+            <a:r>
+              <a:rPr lang="zh-CN" altLang="en-US"/>
+              <a:t>第四级</a:t>
+            </a:r>
+          </a:p>
+          <a:p>
+            <a:pPr lvl="4"/>
+            <a:r>
+              <a:rPr lang="zh-CN" altLang="en-US"/>
+              <a:t>第五级</a:t>
+            </a:r>
+          </a:p>
+        </p:txBody>
+      </p:sp>
+      <p:pic>
+        <p:nvPicPr>
+          <p:cNvPr id="8" name="Picture 16" descr="C:\Program Files\Microsoft Office\MEDIA\OFFICE14\Lines\BD14769_.gif"/>
+          <p:cNvPicPr>
+            <a:picLocks noChangeAspect="1" noChangeArrowheads="1"/>
+          </p:cNvPicPr>
+          <p:nvPr userDrawn="1"/>
+        </p:nvPicPr>
+        <p:blipFill>
+          <a:blip r:embed="rId7">
+            <a:extLst>
+              <a:ext uri="{28A0092B-C50C-407E-A947-70E740481C1C}">
+                <a14:useLocalDpi xmlns:a14="http://schemas.microsoft.com/office/drawing/2010/main" val="0"/>
+              </a:ext>
+            </a:extLst>
+          </a:blip>
+          <a:srcRect/>
+          <a:stretch>
+            <a:fillRect/>
+          </a:stretch>
+        </p:blipFill>
+        <p:spPr bwMode="auto">
+          <a:xfrm>
+            <a:off x="623392" y="788988"/>
+            <a:ext cx="7620000" cy="95251"/>
+          </a:xfrm>
+          <a:prstGeom prst="rect">
+            <a:avLst/>
+          </a:prstGeom>
+          <a:noFill/>
+          <a:ln>
+            <a:noFill/>
+          </a:ln>
+          <a:extLst>
+            <a:ext uri="{909E8E84-426E-40DD-AFC4-6F175D3DCCD1}">
+              <a14:hiddenFill xmlns:a14="http://schemas.microsoft.com/office/drawing/2010/main">
+                <a:solidFill>
+                  <a:srgbClr val="FFFFFF"/>
+                </a:solidFill>
+              </a14:hiddenFill>
+            </a:ext>
+            <a:ext uri="{91240B29-F687-4F45-9708-019B960494DF}">
+              <a14:hiddenLine xmlns:a14="http://schemas.microsoft.com/office/drawing/2010/main" w="9525">
+                <a:solidFill>
+                  <a:srgbClr val="000000"/>
+                </a:solidFill>
+                <a:miter lim="800000"/>
+                <a:headEnd/>
+                <a:tailEnd/>
+              </a14:hiddenLine>
+            </a:ext>
+          </a:extLst>
+        </p:spPr>
+      </p:pic>
+    </p:spTree>
+  </p:cSld>
+  <p:clrMap bg1="lt1" tx1="dk1" bg2="lt2" tx2="dk2" accent1="accent1" accent2="accent2" accent3="accent3" accent4="accent4" accent5="accent5" accent6="accent6" hlink="hlink" folHlink="folHlink"/>
+  <p:sldLayoutIdLst>
+    <p:sldLayoutId id="2147483661" r:id="rId1"/>
+    <p:sldLayoutId id="2147483662" r:id="rId2"/>
+    <p:sldLayoutId id="2147483663" r:id="rId3"/>
+    <p:sldLayoutId id="2147483664" r:id="rId4"/>
+  </p:sldLayoutIdLst>
+  <p:txStyles>
+    <p:titleStyle>
+      <a:lvl1pPr algn="l" defTabSz="913765" rtl="0" eaLnBrk="1" latinLnBrk="0" hangingPunct="1">
+        <a:spcBef>
+          <a:spcPct val="0"/>
+        </a:spcBef>
+        <a:buNone/>
+        <a:defRPr sz="4400" kern="1200">
+          <a:solidFill>
+            <a:schemeClr val="tx1"/>
+          </a:solidFill>
+          <a:latin typeface="+mj-lt"/>
+          <a:ea typeface="+mj-ea"/>
+          <a:cs typeface="+mj-cs"/>
+        </a:defRPr>
+      </a:lvl1pPr>
+    </p:titleStyle>
+    <p:bodyStyle>
+      <a:lvl1pPr marL="342900" indent="-342900" algn="l" defTabSz="913765" rtl="0" eaLnBrk="1" latinLnBrk="0" hangingPunct="1">
+        <a:spcBef>
+          <a:spcPct val="20000"/>
+        </a:spcBef>
+        <a:buSzPct val="70000"/>
+        <a:buFontTx/>
+        <a:buBlip>
+          <a:blip r:embed="rId8"/>
+        </a:buBlip>
+        <a:defRPr sz="2800" kern="1200">
+          <a:solidFill>
+            <a:schemeClr val="tx1"/>
+          </a:solidFill>
+          <a:latin typeface="微软雅黑" panose="020B0503020204020204" pitchFamily="34" charset="-122"/>
+          <a:ea typeface="微软雅黑" panose="020B0503020204020204" pitchFamily="34" charset="-122"/>
+          <a:cs typeface="+mn-cs"/>
+        </a:defRPr>
+      </a:lvl1pPr>
+      <a:lvl2pPr marL="946785" indent="-457200" algn="l" defTabSz="913765" rtl="0" eaLnBrk="1" latinLnBrk="0" hangingPunct="1">
+        <a:spcBef>
+          <a:spcPct val="20000"/>
+        </a:spcBef>
+        <a:buClr>
+          <a:srgbClr val="008080"/>
+        </a:buClr>
+        <a:buSzPct val="50000"/>
+        <a:buFont typeface="+mj-lt"/>
+        <a:buAutoNum type="arabicPeriod"/>
+        <a:defRPr lang="zh-CN" altLang="en-US" sz="2400" kern="1200" smtClean="0">
+          <a:solidFill>
+            <a:schemeClr val="tx1"/>
+          </a:solidFill>
+          <a:latin typeface="微软雅黑" panose="020B0503020204020204" pitchFamily="34" charset="-122"/>
+          <a:ea typeface="微软雅黑" panose="020B0503020204020204" pitchFamily="34" charset="-122"/>
+          <a:cs typeface="+mn-cs"/>
+        </a:defRPr>
+      </a:lvl2pPr>
+      <a:lvl3pPr marL="1143000" indent="-228600" algn="l" defTabSz="913765" rtl="0" eaLnBrk="1" latinLnBrk="0" hangingPunct="1">
+        <a:spcBef>
+          <a:spcPct val="20000"/>
+        </a:spcBef>
+        <a:buFont typeface="Arial" panose="020B0604020202020204" pitchFamily="34" charset="0"/>
+        <a:buChar char="•"/>
+        <a:defRPr sz="2400" kern="1200">
+          <a:solidFill>
+            <a:schemeClr val="tx1"/>
+          </a:solidFill>
+          <a:latin typeface="+mn-lt"/>
+          <a:ea typeface="+mn-ea"/>
+          <a:cs typeface="+mn-cs"/>
+        </a:defRPr>
+      </a:lvl3pPr>
+      <a:lvl4pPr marL="1600200" indent="-228600" algn="l" defTabSz="913765" rtl="0" eaLnBrk="1" latinLnBrk="0" hangingPunct="1">
+        <a:spcBef>
+          <a:spcPct val="20000"/>
+        </a:spcBef>
+        <a:buFont typeface="Arial" panose="020B0604020202020204" pitchFamily="34" charset="0"/>
+        <a:buChar char="–"/>
+        <a:defRPr sz="2000" kern="1200">
+          <a:solidFill>
+            <a:schemeClr val="tx1"/>
+          </a:solidFill>
+          <a:latin typeface="+mn-lt"/>
+          <a:ea typeface="+mn-ea"/>
+          <a:cs typeface="+mn-cs"/>
+        </a:defRPr>
+      </a:lvl4pPr>
+      <a:lvl5pPr marL="2057400" indent="-228600" algn="l" defTabSz="913765" rtl="0" eaLnBrk="1" latinLnBrk="0" hangingPunct="1">
+        <a:spcBef>
+          <a:spcPct val="20000"/>
+        </a:spcBef>
+        <a:buFont typeface="Arial" panose="020B0604020202020204" pitchFamily="34" charset="0"/>
+        <a:buChar char="»"/>
+        <a:defRPr sz="2000" kern="1200">
+          <a:solidFill>
+            <a:schemeClr val="tx1"/>
+          </a:solidFill>
+          <a:latin typeface="+mn-lt"/>
+          <a:ea typeface="+mn-ea"/>
+          <a:cs typeface="+mn-cs"/>
+        </a:defRPr>
+      </a:lvl5pPr>
+      <a:lvl6pPr marL="2514600" indent="-228600" algn="l" defTabSz="913765" rtl="0" eaLnBrk="1" latinLnBrk="0" hangingPunct="1">
+        <a:spcBef>
+          <a:spcPct val="20000"/>
+        </a:spcBef>
+        <a:buFont typeface="Arial" panose="020B0604020202020204" pitchFamily="34" charset="0"/>
+        <a:buChar char="•"/>
+        <a:defRPr sz="2000" kern="1200">
+          <a:solidFill>
+            <a:schemeClr val="tx1"/>
+          </a:solidFill>
+          <a:latin typeface="+mn-lt"/>
+          <a:ea typeface="+mn-ea"/>
+          <a:cs typeface="+mn-cs"/>
+        </a:defRPr>
+      </a:lvl6pPr>
+      <a:lvl7pPr marL="2971800" indent="-228600" algn="l" defTabSz="913765" rtl="0" eaLnBrk="1" latinLnBrk="0" hangingPunct="1">
+        <a:spcBef>
+          <a:spcPct val="20000"/>
+        </a:spcBef>
+        <a:buFont typeface="Arial" panose="020B0604020202020204" pitchFamily="34" charset="0"/>
+        <a:buChar char="•"/>
+        <a:defRPr sz="2000" kern="1200">
+          <a:solidFill>
+            <a:schemeClr val="tx1"/>
+          </a:solidFill>
+          <a:latin typeface="+mn-lt"/>
+          <a:ea typeface="+mn-ea"/>
+          <a:cs typeface="+mn-cs"/>
+        </a:defRPr>
+      </a:lvl7pPr>
+      <a:lvl8pPr marL="3429000" indent="-228600" algn="l" defTabSz="913765" rtl="0" eaLnBrk="1" latinLnBrk="0" hangingPunct="1">
+        <a:spcBef>
+          <a:spcPct val="20000"/>
+        </a:spcBef>
+        <a:buFont typeface="Arial" panose="020B0604020202020204" pitchFamily="34" charset="0"/>
+        <a:buChar char="•"/>
+        <a:defRPr sz="2000" kern="1200">
+          <a:solidFill>
+            <a:schemeClr val="tx1"/>
+          </a:solidFill>
+          <a:latin typeface="+mn-lt"/>
+          <a:ea typeface="+mn-ea"/>
+          <a:cs typeface="+mn-cs"/>
+        </a:defRPr>
+      </a:lvl8pPr>
+      <a:lvl9pPr marL="3886200" indent="-228600" algn="l" defTabSz="913765" rtl="0" eaLnBrk="1" latinLnBrk="0" hangingPunct="1">
+        <a:spcBef>
+          <a:spcPct val="20000"/>
+        </a:spcBef>
+        <a:buFont typeface="Arial" panose="020B0604020202020204" pitchFamily="34" charset="0"/>
+        <a:buChar char="•"/>
+        <a:defRPr sz="2000" kern="1200">
+          <a:solidFill>
+            <a:schemeClr val="tx1"/>
+          </a:solidFill>
+          <a:latin typeface="+mn-lt"/>
+          <a:ea typeface="+mn-ea"/>
+          <a:cs typeface="+mn-cs"/>
+        </a:defRPr>
+      </a:lvl9pPr>
+    </p:bodyStyle>
+    <p:otherStyle>
+      <a:defPPr>
+        <a:defRPr lang="zh-CN"/>
+      </a:defPPr>
+      <a:lvl1pPr marL="0" algn="l" defTabSz="913765" rtl="0" eaLnBrk="1" latinLnBrk="0" hangingPunct="1">
+        <a:defRPr sz="1800" kern="1200">
+          <a:solidFill>
+            <a:schemeClr val="tx1"/>
+          </a:solidFill>
+          <a:latin typeface="+mn-lt"/>
+          <a:ea typeface="+mn-ea"/>
+          <a:cs typeface="+mn-cs"/>
+        </a:defRPr>
+      </a:lvl1pPr>
+      <a:lvl2pPr marL="457200" algn="l" defTabSz="913765" rtl="0" eaLnBrk="1" latinLnBrk="0" hangingPunct="1">
+        <a:defRPr sz="1800" kern="1200">
+          <a:solidFill>
+            <a:schemeClr val="tx1"/>
+          </a:solidFill>
+          <a:latin typeface="+mn-lt"/>
+          <a:ea typeface="+mn-ea"/>
+          <a:cs typeface="+mn-cs"/>
+        </a:defRPr>
+      </a:lvl2pPr>
+      <a:lvl3pPr marL="914400" algn="l" defTabSz="913765" rtl="0" eaLnBrk="1" latinLnBrk="0" hangingPunct="1">
+        <a:defRPr sz="1800" kern="1200">
+          <a:solidFill>
+            <a:schemeClr val="tx1"/>
+          </a:solidFill>
+          <a:latin typeface="+mn-lt"/>
+          <a:ea typeface="+mn-ea"/>
+          <a:cs typeface="+mn-cs"/>
+        </a:defRPr>
+      </a:lvl3pPr>
+      <a:lvl4pPr marL="1371600" algn="l" defTabSz="913765" rtl="0" eaLnBrk="1" latinLnBrk="0" hangingPunct="1">
+        <a:defRPr sz="1800" kern="1200">
+          <a:solidFill>
+            <a:schemeClr val="tx1"/>
+          </a:solidFill>
+          <a:latin typeface="+mn-lt"/>
+          <a:ea typeface="+mn-ea"/>
+          <a:cs typeface="+mn-cs"/>
+        </a:defRPr>
+      </a:lvl4pPr>
+      <a:lvl5pPr marL="1828800" algn="l" defTabSz="913765" rtl="0" eaLnBrk="1" latinLnBrk="0" hangingPunct="1">
+        <a:defRPr sz="1800" kern="1200">
+          <a:solidFill>
+            <a:schemeClr val="tx1"/>
+          </a:solidFill>
+          <a:latin typeface="+mn-lt"/>
+          <a:ea typeface="+mn-ea"/>
+          <a:cs typeface="+mn-cs"/>
+        </a:defRPr>
+      </a:lvl5pPr>
+      <a:lvl6pPr marL="2286000" algn="l" defTabSz="913765" rtl="0" eaLnBrk="1" latinLnBrk="0" hangingPunct="1">
+        <a:defRPr sz="1800" kern="1200">
+          <a:solidFill>
+            <a:schemeClr val="tx1"/>
+          </a:solidFill>
+          <a:latin typeface="+mn-lt"/>
+          <a:ea typeface="+mn-ea"/>
+          <a:cs typeface="+mn-cs"/>
+        </a:defRPr>
+      </a:lvl6pPr>
+      <a:lvl7pPr marL="2743200" algn="l" defTabSz="913765" rtl="0" eaLnBrk="1" latinLnBrk="0" hangingPunct="1">
+        <a:defRPr sz="1800" kern="1200">
+          <a:solidFill>
+            <a:schemeClr val="tx1"/>
+          </a:solidFill>
+          <a:latin typeface="+mn-lt"/>
+          <a:ea typeface="+mn-ea"/>
+          <a:cs typeface="+mn-cs"/>
+        </a:defRPr>
+      </a:lvl7pPr>
+      <a:lvl8pPr marL="3200400" algn="l" defTabSz="913765" rtl="0" eaLnBrk="1" latinLnBrk="0" hangingPunct="1">
+        <a:defRPr sz="1800" kern="1200">
+          <a:solidFill>
+            <a:schemeClr val="tx1"/>
+          </a:solidFill>
+          <a:latin typeface="+mn-lt"/>
+          <a:ea typeface="+mn-ea"/>
+          <a:cs typeface="+mn-cs"/>
+        </a:defRPr>
+      </a:lvl8pPr>
+      <a:lvl9pPr marL="3657600" algn="l" defTabSz="913765" rtl="0" eaLnBrk="1" latinLnBrk="0" hangingPunct="1">
+        <a:defRPr sz="1800" kern="1200">
+          <a:solidFill>
+            <a:schemeClr val="tx1"/>
+          </a:solidFill>
+          <a:latin typeface="+mn-lt"/>
+          <a:ea typeface="+mn-ea"/>
+          <a:cs typeface="+mn-cs"/>
+        </a:defRPr>
+      </a:lvl9pPr>
+    </p:otherStyle>
+  </p:txStyles>
+</p:sldMaster>
+</file>
+
 <file path=ppt/slides/slide1.xml><?xml version="1.0" encoding="utf-8"?>
 <p:sld xmlns:a="http://schemas.openxmlformats.org/drawingml/2006/main" xmlns:r="http://schemas.openxmlformats.org/officeDocument/2006/relationships" xmlns:p="http://schemas.openxmlformats.org/presentationml/2006/main">
   <p:cSld>
@@ -5332,7 +5461,7 @@
           <p:nvPr/>
         </p:nvPicPr>
         <p:blipFill>
-          <a:blip r:embed="rId1">
+          <a:blip r:embed="rId3">
             <a:extLst>
               <a:ext uri="{28A0092B-C50C-407E-A947-70E740481C1C}">
                 <a14:useLocalDpi xmlns:a14="http://schemas.microsoft.com/office/drawing/2010/main" val="0"/>
@@ -5441,13 +5570,6 @@
               </a:rPr>
               <a:t>进阶</a:t>
             </a:r>
-            <a:endParaRPr lang="zh-CN" altLang="en-US" sz="4800" b="1">
-              <a:solidFill>
-                <a:srgbClr val="008469"/>
-              </a:solidFill>
-              <a:latin typeface="微软雅黑" panose="020B0503020204020204" pitchFamily="34" charset="-122"/>
-              <a:ea typeface="微软雅黑" panose="020B0503020204020204" pitchFamily="34" charset="-122"/>
-            </a:endParaRPr>
           </a:p>
         </p:txBody>
       </p:sp>
@@ -5510,10 +5632,6 @@
               </a:rPr>
               <a:t>（构造器）</a:t>
             </a:r>
-            <a:endParaRPr lang="zh-CN" altLang="en-US" sz="3200" dirty="0">
-              <a:latin typeface="微软雅黑" panose="020B0503020204020204" pitchFamily="34" charset="-122"/>
-              <a:ea typeface="微软雅黑" panose="020B0503020204020204" pitchFamily="34" charset="-122"/>
-            </a:endParaRPr>
           </a:p>
         </p:txBody>
       </p:sp>
@@ -5526,7 +5644,7 @@
           <p:nvPr/>
         </p:nvPicPr>
         <p:blipFill>
-          <a:blip r:embed="rId2">
+          <a:blip r:embed="rId4">
             <a:extLst>
               <a:ext uri="{28A0092B-C50C-407E-A947-70E740481C1C}">
                 <a14:useLocalDpi xmlns:a14="http://schemas.microsoft.com/office/drawing/2010/main" val="0"/>
@@ -5657,10 +5775,6 @@
               </a:rPr>
               <a:t>Array</a:t>
             </a:r>
-            <a:endParaRPr lang="en-US" sz="2800" b="1" dirty="0">
-              <a:latin typeface="微软雅黑" panose="020B0503020204020204" pitchFamily="34" charset="-122"/>
-              <a:ea typeface="微软雅黑" panose="020B0503020204020204" pitchFamily="34" charset="-122"/>
-            </a:endParaRPr>
           </a:p>
           <a:p>
             <a:pPr marL="457200" indent="-457200" algn="l" eaLnBrk="0" hangingPunct="0">
@@ -5862,12 +5976,6 @@
               </a:rPr>
               <a:t>内容提纲</a:t>
             </a:r>
-            <a:endParaRPr lang="zh-CN" altLang="en-US">
-              <a:solidFill>
-                <a:srgbClr val="C00000"/>
-              </a:solidFill>
-              <a:latin typeface="微软雅黑" panose="020B0503020204020204" pitchFamily="34" charset="-122"/>
-            </a:endParaRPr>
           </a:p>
         </p:txBody>
       </p:sp>
@@ -5888,7 +5996,14 @@
         <p:cNvGrpSpPr/>
         <p:nvPr/>
       </p:nvGrpSpPr>
-      <p:grpSpPr/>
+      <p:grpSpPr>
+        <a:xfrm>
+          <a:off x="0" y="0"/>
+          <a:ext cx="0" cy="0"/>
+          <a:chOff x="0" y="0"/>
+          <a:chExt cx="0" cy="0"/>
+        </a:xfrm>
+      </p:grpSpPr>
       <p:sp>
         <p:nvSpPr>
           <p:cNvPr id="2" name="内容占位符 1"/>
@@ -5902,17 +6017,18 @@
         <p:spPr/>
         <p:txBody>
           <a:bodyPr/>
+          <a:lstStyle/>
           <a:p>
             <a:r>
               <a:rPr lang="en-US"/>
               <a:t> Error </a:t>
             </a:r>
-            <a:endParaRPr lang="en-US"/>
           </a:p>
           <a:p>
             <a:pPr marL="168275" lvl="1" indent="0">
               <a:buNone/>
             </a:pPr>
+            <a:endParaRPr lang="en-US"/>
           </a:p>
         </p:txBody>
       </p:sp>
@@ -5929,12 +6045,12 @@
         <p:spPr/>
         <p:txBody>
           <a:bodyPr/>
+          <a:lstStyle/>
           <a:p>
             <a:r>
               <a:rPr lang="en-US" altLang="zh-CN"/>
               <a:t>Error</a:t>
             </a:r>
-            <a:endParaRPr lang="en-US" altLang="zh-CN"/>
           </a:p>
         </p:txBody>
       </p:sp>
@@ -5947,7 +6063,7 @@
           <p:nvPr/>
         </p:nvPicPr>
         <p:blipFill>
-          <a:blip r:embed="rId1"/>
+          <a:blip r:embed="rId3"/>
           <a:stretch>
             <a:fillRect/>
           </a:stretch>
@@ -5987,7 +6103,14 @@
         <p:cNvGrpSpPr/>
         <p:nvPr/>
       </p:nvGrpSpPr>
-      <p:grpSpPr/>
+      <p:grpSpPr>
+        <a:xfrm>
+          <a:off x="0" y="0"/>
+          <a:ext cx="0" cy="0"/>
+          <a:chOff x="0" y="0"/>
+          <a:chExt cx="0" cy="0"/>
+        </a:xfrm>
+      </p:grpSpPr>
       <p:sp>
         <p:nvSpPr>
           <p:cNvPr id="2" name="内容占位符 1"/>
@@ -6001,6 +6124,7 @@
         <p:spPr/>
         <p:txBody>
           <a:bodyPr/>
+          <a:lstStyle/>
           <a:p>
             <a:r>
               <a:rPr lang="en-US"/>
@@ -6012,9 +6136,6 @@
               </a:rPr>
               <a:t>异常</a:t>
             </a:r>
-            <a:endParaRPr lang="zh-CN" altLang="en-US">
-              <a:sym typeface="+mn-ea"/>
-            </a:endParaRPr>
           </a:p>
           <a:p>
             <a:pPr lvl="1"/>
@@ -6033,12 +6154,6 @@
               </a:rPr>
               <a:t>如果执行的语句中有一句产生错误，后面的语句不会继续执行</a:t>
             </a:r>
-            <a:endParaRPr lang="zh-CN" altLang="en-US">
-              <a:solidFill>
-                <a:schemeClr val="tx1"/>
-              </a:solidFill>
-              <a:sym typeface="+mn-ea"/>
-            </a:endParaRPr>
           </a:p>
           <a:p>
             <a:pPr lvl="1"/>
@@ -6117,12 +6232,12 @@
               <a:rPr lang="en-US"/>
               <a:t> </a:t>
             </a:r>
-            <a:endParaRPr lang="en-US"/>
           </a:p>
           <a:p>
             <a:pPr marL="168275" lvl="1" indent="0">
               <a:buNone/>
             </a:pPr>
+            <a:endParaRPr lang="en-US"/>
           </a:p>
         </p:txBody>
       </p:sp>
@@ -6139,6 +6254,7 @@
         <p:spPr/>
         <p:txBody>
           <a:bodyPr/>
+          <a:lstStyle/>
           <a:p>
             <a:r>
               <a:rPr lang="zh-CN" altLang="en-US" dirty="0">
@@ -6159,7 +6275,7 @@
           <p:nvPr/>
         </p:nvPicPr>
         <p:blipFill>
-          <a:blip r:embed="rId1"/>
+          <a:blip r:embed="rId3"/>
           <a:stretch>
             <a:fillRect/>
           </a:stretch>
@@ -6199,7 +6315,14 @@
         <p:cNvGrpSpPr/>
         <p:nvPr/>
       </p:nvGrpSpPr>
-      <p:grpSpPr/>
+      <p:grpSpPr>
+        <a:xfrm>
+          <a:off x="0" y="0"/>
+          <a:ext cx="0" cy="0"/>
+          <a:chOff x="0" y="0"/>
+          <a:chExt cx="0" cy="0"/>
+        </a:xfrm>
+      </p:grpSpPr>
       <p:sp>
         <p:nvSpPr>
           <p:cNvPr id="2" name="内容占位符 1"/>
@@ -6213,22 +6336,14 @@
         <p:spPr/>
         <p:txBody>
           <a:bodyPr/>
+          <a:lstStyle/>
           <a:p>
             <a:r>
               <a:rPr lang="en-US" sz="2800">
                 <a:sym typeface="+mn-ea"/>
               </a:rPr>
-              <a:t> try </a:t>
-            </a:r>
-            <a:r>
-              <a:rPr lang="en-US" sz="2800">
-                <a:sym typeface="+mn-ea"/>
-              </a:rPr>
-              <a:t>catch finally</a:t>
-            </a:r>
-            <a:endParaRPr lang="en-US" sz="2800">
-              <a:sym typeface="+mn-ea"/>
-            </a:endParaRPr>
+              <a:t> try catch finally</a:t>
+            </a:r>
           </a:p>
           <a:p>
             <a:pPr lvl="1"/>
@@ -6292,35 +6407,29 @@
               </a:rPr>
               <a:t>两者至少要有其一</a:t>
             </a:r>
+          </a:p>
+          <a:p>
+            <a:pPr lvl="1"/>
+            <a:r>
+              <a:rPr lang="zh-CN" altLang="en-US">
+                <a:solidFill>
+                  <a:schemeClr val="tx1"/>
+                </a:solidFill>
+                <a:sym typeface="+mn-ea"/>
+              </a:rPr>
+              <a:t> 如果没有 catch 块，程序将会终止</a:t>
+            </a:r>
+          </a:p>
+          <a:p>
+            <a:pPr marL="168275" lvl="1" indent="0">
+              <a:buNone/>
+            </a:pPr>
             <a:endParaRPr lang="zh-CN" altLang="en-US">
               <a:solidFill>
                 <a:schemeClr val="tx1"/>
               </a:solidFill>
               <a:sym typeface="+mn-ea"/>
             </a:endParaRPr>
-          </a:p>
-          <a:p>
-            <a:pPr lvl="1"/>
-            <a:r>
-              <a:rPr lang="zh-CN" altLang="en-US">
-                <a:solidFill>
-                  <a:schemeClr val="tx1"/>
-                </a:solidFill>
-                <a:sym typeface="+mn-ea"/>
-              </a:rPr>
-              <a:t> 如果没有 catch 块，程序将会终止</a:t>
-            </a:r>
-            <a:endParaRPr lang="zh-CN" altLang="en-US">
-              <a:solidFill>
-                <a:schemeClr val="tx1"/>
-              </a:solidFill>
-              <a:sym typeface="+mn-ea"/>
-            </a:endParaRPr>
-          </a:p>
-          <a:p>
-            <a:pPr marL="168275" lvl="1" indent="0">
-              <a:buNone/>
-            </a:pPr>
           </a:p>
         </p:txBody>
       </p:sp>
@@ -6337,6 +6446,7 @@
         <p:spPr/>
         <p:txBody>
           <a:bodyPr/>
+          <a:lstStyle/>
           <a:p>
             <a:r>
               <a:rPr lang="zh-CN" altLang="en-US" dirty="0">
@@ -6357,7 +6467,7 @@
           <p:nvPr/>
         </p:nvPicPr>
         <p:blipFill>
-          <a:blip r:embed="rId1"/>
+          <a:blip r:embed="rId3"/>
           <a:stretch>
             <a:fillRect/>
           </a:stretch>
@@ -6400,18 +6510,15 @@
           <a:bodyPr wrap="square" rtlCol="0">
             <a:spAutoFit/>
           </a:bodyPr>
-          <a:p>
-            <a:r>
-              <a:rPr lang="en-US" altLang="zh-CN" sz="2800" dirty="0" smtClean="0">
+          <a:lstStyle/>
+          <a:p>
+            <a:r>
+              <a:rPr lang="en-US" altLang="zh-CN" sz="2800" dirty="0">
                 <a:latin typeface="Arial" panose="020B0604020202020204" pitchFamily="34" charset="0"/>
                 <a:ea typeface="微软雅黑" panose="020B0503020204020204" pitchFamily="34" charset="-122"/>
               </a:rPr>
               <a:t>3.html</a:t>
             </a:r>
-            <a:endParaRPr lang="en-US" altLang="zh-CN" sz="2800" dirty="0">
-              <a:latin typeface="Arial" panose="020B0604020202020204" pitchFamily="34" charset="0"/>
-              <a:ea typeface="微软雅黑" panose="020B0503020204020204" pitchFamily="34" charset="-122"/>
-            </a:endParaRPr>
           </a:p>
         </p:txBody>
       </p:sp>
@@ -6432,7 +6539,14 @@
         <p:cNvGrpSpPr/>
         <p:nvPr/>
       </p:nvGrpSpPr>
-      <p:grpSpPr/>
+      <p:grpSpPr>
+        <a:xfrm>
+          <a:off x="0" y="0"/>
+          <a:ext cx="0" cy="0"/>
+          <a:chOff x="0" y="0"/>
+          <a:chExt cx="0" cy="0"/>
+        </a:xfrm>
+      </p:grpSpPr>
       <p:sp>
         <p:nvSpPr>
           <p:cNvPr id="3" name="内容占位符 2"/>
@@ -6446,6 +6560,7 @@
         <p:spPr/>
         <p:txBody>
           <a:bodyPr/>
+          <a:lstStyle/>
           <a:p>
             <a:r>
               <a:rPr lang="zh-CN" altLang="en-US" dirty="0">
@@ -6466,7 +6581,7 @@
           <p:nvPr/>
         </p:nvPicPr>
         <p:blipFill>
-          <a:blip r:embed="rId1"/>
+          <a:blip r:embed="rId3"/>
           <a:stretch>
             <a:fillRect/>
           </a:stretch>
@@ -6498,7 +6613,14 @@
         <p:cNvGrpSpPr/>
         <p:nvPr/>
       </p:nvGrpSpPr>
-      <p:grpSpPr/>
+      <p:grpSpPr>
+        <a:xfrm>
+          <a:off x="0" y="0"/>
+          <a:ext cx="0" cy="0"/>
+          <a:chOff x="0" y="0"/>
+          <a:chExt cx="0" cy="0"/>
+        </a:xfrm>
+      </p:grpSpPr>
       <p:sp>
         <p:nvSpPr>
           <p:cNvPr id="2" name="内容占位符 1"/>
@@ -6517,6 +6639,7 @@
         </p:spPr>
         <p:txBody>
           <a:bodyPr/>
+          <a:lstStyle/>
           <a:p>
             <a:r>
               <a:rPr lang="en-US"/>
@@ -6528,9 +6651,6 @@
               </a:rPr>
               <a:t>异常捕获</a:t>
             </a:r>
-            <a:endParaRPr lang="zh-CN" altLang="en-US" dirty="0">
-              <a:sym typeface="+mn-ea"/>
-            </a:endParaRPr>
           </a:p>
           <a:p>
             <a:pPr lvl="1"/>
@@ -6552,12 +6672,6 @@
               </a:rPr>
               <a:t>抛出异常信息</a:t>
             </a:r>
-            <a:endParaRPr lang="zh-CN" altLang="en-US">
-              <a:solidFill>
-                <a:schemeClr val="tx1"/>
-              </a:solidFill>
-              <a:sym typeface="+mn-ea"/>
-            </a:endParaRPr>
           </a:p>
           <a:p>
             <a:pPr lvl="1"/>
@@ -6570,12 +6684,6 @@
               </a:rPr>
               <a:t> 标识符仅在 catch 块执行时存在；catch 块执行完成后，标识符不再可用</a:t>
             </a:r>
-            <a:endParaRPr lang="en-US">
-              <a:solidFill>
-                <a:schemeClr val="tx1"/>
-              </a:solidFill>
-              <a:sym typeface="+mn-ea"/>
-            </a:endParaRPr>
           </a:p>
           <a:p>
             <a:endParaRPr lang="zh-CN" altLang="en-US" dirty="0"/>
@@ -6596,6 +6704,7 @@
             <a:pPr marL="168275" lvl="1" indent="0">
               <a:buNone/>
             </a:pPr>
+            <a:endParaRPr lang="en-US"/>
           </a:p>
         </p:txBody>
       </p:sp>
@@ -6612,12 +6721,12 @@
         <p:spPr/>
         <p:txBody>
           <a:bodyPr/>
+          <a:lstStyle/>
           <a:p>
             <a:r>
               <a:rPr lang="en-US" altLang="zh-CN"/>
               <a:t>Error</a:t>
             </a:r>
-            <a:endParaRPr lang="en-US" altLang="zh-CN"/>
           </a:p>
         </p:txBody>
       </p:sp>
@@ -6630,7 +6739,7 @@
           <p:nvPr/>
         </p:nvPicPr>
         <p:blipFill>
-          <a:blip r:embed="rId1"/>
+          <a:blip r:embed="rId3"/>
           <a:stretch>
             <a:fillRect/>
           </a:stretch>
@@ -6662,7 +6771,7 @@
           <p:nvPr/>
         </p:nvPicPr>
         <p:blipFill>
-          <a:blip r:embed="rId2"/>
+          <a:blip r:embed="rId4"/>
           <a:stretch>
             <a:fillRect/>
           </a:stretch>
@@ -6705,18 +6814,15 @@
           <a:bodyPr wrap="square" rtlCol="0">
             <a:spAutoFit/>
           </a:bodyPr>
-          <a:p>
-            <a:r>
-              <a:rPr lang="en-US" altLang="zh-CN" sz="2800" dirty="0" smtClean="0">
+          <a:lstStyle/>
+          <a:p>
+            <a:r>
+              <a:rPr lang="en-US" altLang="zh-CN" sz="2800" dirty="0">
                 <a:latin typeface="Arial" panose="020B0604020202020204" pitchFamily="34" charset="0"/>
                 <a:ea typeface="微软雅黑" panose="020B0503020204020204" pitchFamily="34" charset="-122"/>
               </a:rPr>
               <a:t>4.html</a:t>
             </a:r>
-            <a:endParaRPr lang="en-US" altLang="zh-CN" sz="2800" dirty="0">
-              <a:latin typeface="Arial" panose="020B0604020202020204" pitchFamily="34" charset="0"/>
-              <a:ea typeface="微软雅黑" panose="020B0503020204020204" pitchFamily="34" charset="-122"/>
-            </a:endParaRPr>
           </a:p>
         </p:txBody>
       </p:sp>
@@ -6737,7 +6843,14 @@
         <p:cNvGrpSpPr/>
         <p:nvPr/>
       </p:nvGrpSpPr>
-      <p:grpSpPr/>
+      <p:grpSpPr>
+        <a:xfrm>
+          <a:off x="0" y="0"/>
+          <a:ext cx="0" cy="0"/>
+          <a:chOff x="0" y="0"/>
+          <a:chExt cx="0" cy="0"/>
+        </a:xfrm>
+      </p:grpSpPr>
       <p:sp>
         <p:nvSpPr>
           <p:cNvPr id="2" name="内容占位符 1"/>
@@ -6751,6 +6864,7 @@
         <p:spPr/>
         <p:txBody>
           <a:bodyPr/>
+          <a:lstStyle/>
           <a:p>
             <a:r>
               <a:rPr lang="en-US"/>
@@ -6909,6 +7023,7 @@
             <a:pPr marL="168275" lvl="1" indent="0">
               <a:buNone/>
             </a:pPr>
+            <a:endParaRPr lang="en-US"/>
           </a:p>
         </p:txBody>
       </p:sp>
@@ -6925,6 +7040,7 @@
         <p:spPr/>
         <p:txBody>
           <a:bodyPr/>
+          <a:lstStyle/>
           <a:p>
             <a:r>
               <a:rPr lang="zh-CN" altLang="en-US" dirty="0">
@@ -6945,7 +7061,7 @@
           <p:nvPr/>
         </p:nvPicPr>
         <p:blipFill>
-          <a:blip r:embed="rId1"/>
+          <a:blip r:embed="rId3"/>
           <a:stretch>
             <a:fillRect/>
           </a:stretch>
@@ -6977,7 +7093,7 @@
           <p:nvPr/>
         </p:nvPicPr>
         <p:blipFill>
-          <a:blip r:embed="rId2"/>
+          <a:blip r:embed="rId4"/>
           <a:stretch>
             <a:fillRect/>
           </a:stretch>
@@ -7020,18 +7136,15 @@
           <a:bodyPr wrap="square" rtlCol="0">
             <a:spAutoFit/>
           </a:bodyPr>
-          <a:p>
-            <a:r>
-              <a:rPr lang="en-US" altLang="zh-CN" sz="2800" dirty="0" smtClean="0">
+          <a:lstStyle/>
+          <a:p>
+            <a:r>
+              <a:rPr lang="en-US" altLang="zh-CN" sz="2800" dirty="0">
                 <a:latin typeface="Arial" panose="020B0604020202020204" pitchFamily="34" charset="0"/>
                 <a:ea typeface="微软雅黑" panose="020B0503020204020204" pitchFamily="34" charset="-122"/>
               </a:rPr>
               <a:t>4.html</a:t>
             </a:r>
-            <a:endParaRPr lang="en-US" altLang="zh-CN" sz="2800" dirty="0">
-              <a:latin typeface="Arial" panose="020B0604020202020204" pitchFamily="34" charset="0"/>
-              <a:ea typeface="微软雅黑" panose="020B0503020204020204" pitchFamily="34" charset="-122"/>
-            </a:endParaRPr>
           </a:p>
         </p:txBody>
       </p:sp>
@@ -7246,7 +7359,14 @@
         <p:cNvGrpSpPr/>
         <p:nvPr/>
       </p:nvGrpSpPr>
-      <p:grpSpPr/>
+      <p:grpSpPr>
+        <a:xfrm>
+          <a:off x="0" y="0"/>
+          <a:ext cx="0" cy="0"/>
+          <a:chOff x="0" y="0"/>
+          <a:chExt cx="0" cy="0"/>
+        </a:xfrm>
+      </p:grpSpPr>
       <p:sp>
         <p:nvSpPr>
           <p:cNvPr id="2" name="内容占位符 1"/>
@@ -7260,6 +7380,7 @@
         <p:spPr/>
         <p:txBody>
           <a:bodyPr/>
+          <a:lstStyle/>
           <a:p>
             <a:r>
               <a:rPr lang="en-US"/>
@@ -7283,9 +7404,6 @@
               </a:rPr>
               <a:t>&gt; </a:t>
             </a:r>
-            <a:endParaRPr lang="en-US" sz="2800">
-              <a:sym typeface="+mn-ea"/>
-            </a:endParaRPr>
           </a:p>
           <a:p>
             <a:pPr lvl="1"/>
@@ -7307,12 +7425,6 @@
               </a:rPr>
               <a:t>抛出一个用户自定义的异常。</a:t>
             </a:r>
-            <a:endParaRPr lang="zh-CN" altLang="en-US">
-              <a:solidFill>
-                <a:schemeClr val="tx1"/>
-              </a:solidFill>
-              <a:sym typeface="+mn-ea"/>
-            </a:endParaRPr>
           </a:p>
           <a:p>
             <a:pPr lvl="1"/>
@@ -7392,6 +7504,7 @@
         <p:spPr/>
         <p:txBody>
           <a:bodyPr/>
+          <a:lstStyle/>
           <a:p>
             <a:r>
               <a:rPr lang="zh-CN" altLang="en-US" dirty="0">
@@ -7412,7 +7525,7 @@
           <p:nvPr/>
         </p:nvPicPr>
         <p:blipFill>
-          <a:blip r:embed="rId1"/>
+          <a:blip r:embed="rId3"/>
           <a:stretch>
             <a:fillRect/>
           </a:stretch>
@@ -7455,18 +7568,15 @@
           <a:bodyPr wrap="square" rtlCol="0">
             <a:spAutoFit/>
           </a:bodyPr>
-          <a:p>
-            <a:r>
-              <a:rPr lang="en-US" altLang="zh-CN" sz="2800" dirty="0" smtClean="0">
+          <a:lstStyle/>
+          <a:p>
+            <a:r>
+              <a:rPr lang="en-US" altLang="zh-CN" sz="2800" dirty="0">
                 <a:latin typeface="Arial" panose="020B0604020202020204" pitchFamily="34" charset="0"/>
                 <a:ea typeface="微软雅黑" panose="020B0503020204020204" pitchFamily="34" charset="-122"/>
               </a:rPr>
               <a:t>5.html</a:t>
             </a:r>
-            <a:endParaRPr lang="en-US" altLang="zh-CN" sz="2800" dirty="0">
-              <a:latin typeface="Arial" panose="020B0604020202020204" pitchFamily="34" charset="0"/>
-              <a:ea typeface="微软雅黑" panose="020B0503020204020204" pitchFamily="34" charset="-122"/>
-            </a:endParaRPr>
           </a:p>
         </p:txBody>
       </p:sp>
@@ -7487,7 +7597,14 @@
         <p:cNvGrpSpPr/>
         <p:nvPr/>
       </p:nvGrpSpPr>
-      <p:grpSpPr/>
+      <p:grpSpPr>
+        <a:xfrm>
+          <a:off x="0" y="0"/>
+          <a:ext cx="0" cy="0"/>
+          <a:chOff x="0" y="0"/>
+          <a:chExt cx="0" cy="0"/>
+        </a:xfrm>
+      </p:grpSpPr>
       <p:sp>
         <p:nvSpPr>
           <p:cNvPr id="2" name="内容占位符 1"/>
@@ -7501,6 +7618,7 @@
         <p:spPr/>
         <p:txBody>
           <a:bodyPr/>
+          <a:lstStyle/>
           <a:p>
             <a:r>
               <a:rPr lang="en-US"/>
@@ -7524,6 +7642,7 @@
             <a:pPr marL="168275" lvl="1" indent="0">
               <a:buNone/>
             </a:pPr>
+            <a:endParaRPr lang="en-US"/>
           </a:p>
         </p:txBody>
       </p:sp>
@@ -7540,6 +7659,7 @@
         <p:spPr/>
         <p:txBody>
           <a:bodyPr/>
+          <a:lstStyle/>
           <a:p>
             <a:r>
               <a:rPr lang="zh-CN" altLang="en-US" dirty="0">
@@ -7560,7 +7680,7 @@
           <p:nvPr/>
         </p:nvPicPr>
         <p:blipFill>
-          <a:blip r:embed="rId1"/>
+          <a:blip r:embed="rId3"/>
           <a:stretch>
             <a:fillRect/>
           </a:stretch>
@@ -7603,18 +7723,15 @@
           <a:bodyPr wrap="square" rtlCol="0">
             <a:spAutoFit/>
           </a:bodyPr>
-          <a:p>
-            <a:r>
-              <a:rPr lang="en-US" altLang="zh-CN" sz="2800" dirty="0" smtClean="0">
+          <a:lstStyle/>
+          <a:p>
+            <a:r>
+              <a:rPr lang="en-US" altLang="zh-CN" sz="2800" dirty="0">
                 <a:latin typeface="Arial" panose="020B0604020202020204" pitchFamily="34" charset="0"/>
                 <a:ea typeface="微软雅黑" panose="020B0503020204020204" pitchFamily="34" charset="-122"/>
               </a:rPr>
               <a:t>6.html</a:t>
             </a:r>
-            <a:endParaRPr lang="en-US" altLang="zh-CN" sz="2800" dirty="0">
-              <a:latin typeface="Arial" panose="020B0604020202020204" pitchFamily="34" charset="0"/>
-              <a:ea typeface="微软雅黑" panose="020B0503020204020204" pitchFamily="34" charset="-122"/>
-            </a:endParaRPr>
           </a:p>
         </p:txBody>
       </p:sp>
@@ -7635,7 +7752,14 @@
         <p:cNvGrpSpPr/>
         <p:nvPr/>
       </p:nvGrpSpPr>
-      <p:grpSpPr/>
+      <p:grpSpPr>
+        <a:xfrm>
+          <a:off x="0" y="0"/>
+          <a:ext cx="0" cy="0"/>
+          <a:chOff x="0" y="0"/>
+          <a:chExt cx="0" cy="0"/>
+        </a:xfrm>
+      </p:grpSpPr>
       <p:sp>
         <p:nvSpPr>
           <p:cNvPr id="2" name="内容占位符 1"/>
@@ -7649,6 +7773,7 @@
         <p:spPr/>
         <p:txBody>
           <a:bodyPr/>
+          <a:lstStyle/>
           <a:p>
             <a:r>
               <a:rPr lang="en-US"/>
@@ -7666,9 +7791,6 @@
               </a:rPr>
               <a:t>构造器</a:t>
             </a:r>
-            <a:endParaRPr lang="zh-CN" altLang="en-US">
-              <a:sym typeface="+mn-ea"/>
-            </a:endParaRPr>
           </a:p>
           <a:p>
             <a:pPr lvl="1"/>
@@ -7772,6 +7894,7 @@
             <a:pPr marL="168275" lvl="1" indent="0">
               <a:buNone/>
             </a:pPr>
+            <a:endParaRPr lang="en-US"/>
           </a:p>
         </p:txBody>
       </p:sp>
@@ -7788,12 +7911,12 @@
         <p:spPr/>
         <p:txBody>
           <a:bodyPr/>
+          <a:lstStyle/>
           <a:p>
             <a:r>
               <a:rPr lang="en-US" altLang="zh-CN"/>
               <a:t>Error</a:t>
             </a:r>
-            <a:endParaRPr lang="en-US" altLang="zh-CN"/>
           </a:p>
         </p:txBody>
       </p:sp>
@@ -7806,7 +7929,7 @@
           <p:nvPr/>
         </p:nvPicPr>
         <p:blipFill>
-          <a:blip r:embed="rId1"/>
+          <a:blip r:embed="rId3"/>
           <a:stretch>
             <a:fillRect/>
           </a:stretch>
@@ -7914,10 +8037,6 @@
               </a:rPr>
               <a:t>Array</a:t>
             </a:r>
-            <a:endParaRPr lang="en-US" sz="2800" b="1" dirty="0">
-              <a:latin typeface="微软雅黑" panose="020B0503020204020204" pitchFamily="34" charset="-122"/>
-              <a:ea typeface="微软雅黑" panose="020B0503020204020204" pitchFamily="34" charset="-122"/>
-            </a:endParaRPr>
           </a:p>
           <a:p>
             <a:pPr marL="457200" indent="-457200" algn="l" eaLnBrk="0" hangingPunct="0">
@@ -7940,10 +8059,6 @@
               </a:rPr>
               <a:t>Error</a:t>
             </a:r>
-            <a:endParaRPr lang="en-US" altLang="zh-CN" sz="2800" b="1" dirty="0">
-              <a:latin typeface="微软雅黑" panose="020B0503020204020204" pitchFamily="34" charset="-122"/>
-              <a:ea typeface="微软雅黑" panose="020B0503020204020204" pitchFamily="34" charset="-122"/>
-            </a:endParaRPr>
           </a:p>
         </p:txBody>
       </p:sp>
@@ -8116,12 +8231,6 @@
               </a:rPr>
               <a:t>内容提纲</a:t>
             </a:r>
-            <a:endParaRPr lang="zh-CN" altLang="en-US">
-              <a:solidFill>
-                <a:srgbClr val="C00000"/>
-              </a:solidFill>
-              <a:latin typeface="微软雅黑" panose="020B0503020204020204" pitchFamily="34" charset="-122"/>
-            </a:endParaRPr>
           </a:p>
         </p:txBody>
       </p:sp>
@@ -8142,7 +8251,14 @@
         <p:cNvGrpSpPr/>
         <p:nvPr/>
       </p:nvGrpSpPr>
-      <p:grpSpPr/>
+      <p:grpSpPr>
+        <a:xfrm>
+          <a:off x="0" y="0"/>
+          <a:ext cx="0" cy="0"/>
+          <a:chOff x="0" y="0"/>
+          <a:chExt cx="0" cy="0"/>
+        </a:xfrm>
+      </p:grpSpPr>
       <p:sp>
         <p:nvSpPr>
           <p:cNvPr id="2" name="内容占位符 1"/>
@@ -8156,6 +8272,7 @@
         <p:spPr/>
         <p:txBody>
           <a:bodyPr/>
+          <a:lstStyle/>
           <a:p>
             <a:r>
               <a:rPr lang="en-US"/>
@@ -8182,9 +8299,6 @@
               </a:rPr>
               <a:t>种类型的错误。</a:t>
             </a:r>
-            <a:endParaRPr lang="zh-CN" altLang="en-US">
-              <a:sym typeface="+mn-ea"/>
-            </a:endParaRPr>
           </a:p>
           <a:p>
             <a:pPr lvl="1"/>
@@ -8280,25 +8394,7 @@
                 </a:solidFill>
                 <a:sym typeface="+mn-ea"/>
               </a:rPr>
-              <a:t> EvalError: Eval</a:t>
-            </a:r>
-            <a:r>
-              <a:rPr lang="zh-CN" altLang="en-US">
-                <a:solidFill>
-                  <a:schemeClr val="tx1"/>
-                </a:solidFill>
-                <a:sym typeface="+mn-ea"/>
-              </a:rPr>
-              <a:t>错误</a:t>
-            </a:r>
-            <a:r>
-              <a:rPr lang="zh-CN" altLang="en-US">
-                <a:solidFill>
-                  <a:schemeClr val="tx1"/>
-                </a:solidFill>
-                <a:sym typeface="+mn-ea"/>
-              </a:rPr>
-              <a:t>   </a:t>
+              <a:t> EvalError: Eval错误   </a:t>
             </a:r>
             <a:endParaRPr lang="zh-CN" altLang="en-US">
               <a:solidFill>
@@ -8317,12 +8413,6 @@
               </a:rPr>
               <a:t> URIError: URI错误</a:t>
             </a:r>
-            <a:endParaRPr lang="zh-CN" altLang="en-US">
-              <a:solidFill>
-                <a:schemeClr val="tx1"/>
-              </a:solidFill>
-              <a:sym typeface="+mn-ea"/>
-            </a:endParaRPr>
           </a:p>
           <a:p>
             <a:pPr lvl="0"/>
@@ -8350,6 +8440,7 @@
             <a:pPr marL="168275" lvl="1" indent="0">
               <a:buNone/>
             </a:pPr>
+            <a:endParaRPr lang="en-US"/>
           </a:p>
         </p:txBody>
       </p:sp>
@@ -8366,12 +8457,12 @@
         <p:spPr/>
         <p:txBody>
           <a:bodyPr/>
+          <a:lstStyle/>
           <a:p>
             <a:r>
               <a:rPr lang="en-US" altLang="zh-CN"/>
               <a:t>Error</a:t>
             </a:r>
-            <a:endParaRPr lang="en-US" altLang="zh-CN"/>
           </a:p>
         </p:txBody>
       </p:sp>
@@ -8384,7 +8475,7 @@
           <p:nvPr/>
         </p:nvPicPr>
         <p:blipFill>
-          <a:blip r:embed="rId1"/>
+          <a:blip r:embed="rId3"/>
           <a:stretch>
             <a:fillRect/>
           </a:stretch>
@@ -8427,18 +8518,15 @@
           <a:bodyPr wrap="square" rtlCol="0">
             <a:spAutoFit/>
           </a:bodyPr>
-          <a:p>
-            <a:r>
-              <a:rPr lang="en-US" altLang="zh-CN" sz="2800" dirty="0" smtClean="0">
+          <a:lstStyle/>
+          <a:p>
+            <a:r>
+              <a:rPr lang="en-US" altLang="zh-CN" sz="2800" dirty="0">
                 <a:latin typeface="Arial" panose="020B0604020202020204" pitchFamily="34" charset="0"/>
                 <a:ea typeface="微软雅黑" panose="020B0503020204020204" pitchFamily="34" charset="-122"/>
               </a:rPr>
               <a:t>7.html</a:t>
             </a:r>
-            <a:endParaRPr lang="en-US" altLang="zh-CN" sz="2800" dirty="0">
-              <a:latin typeface="Arial" panose="020B0604020202020204" pitchFamily="34" charset="0"/>
-              <a:ea typeface="微软雅黑" panose="020B0503020204020204" pitchFamily="34" charset="-122"/>
-            </a:endParaRPr>
           </a:p>
         </p:txBody>
       </p:sp>
@@ -8542,7 +8630,14 @@
         <p:cNvGrpSpPr/>
         <p:nvPr/>
       </p:nvGrpSpPr>
-      <p:grpSpPr/>
+      <p:grpSpPr>
+        <a:xfrm>
+          <a:off x="0" y="0"/>
+          <a:ext cx="0" cy="0"/>
+          <a:chOff x="0" y="0"/>
+          <a:chExt cx="0" cy="0"/>
+        </a:xfrm>
+      </p:grpSpPr>
       <p:sp>
         <p:nvSpPr>
           <p:cNvPr id="3" name="内容占位符 2"/>
@@ -8556,12 +8651,12 @@
         <p:spPr/>
         <p:txBody>
           <a:bodyPr/>
+          <a:lstStyle/>
           <a:p>
             <a:r>
               <a:rPr lang="en-US" altLang="zh-CN"/>
               <a:t>Error</a:t>
             </a:r>
-            <a:endParaRPr lang="en-US" altLang="zh-CN"/>
           </a:p>
         </p:txBody>
       </p:sp>
@@ -8574,7 +8669,7 @@
           <p:nvPr/>
         </p:nvPicPr>
         <p:blipFill>
-          <a:blip r:embed="rId1"/>
+          <a:blip r:embed="rId3"/>
           <a:stretch>
             <a:fillRect/>
           </a:stretch>
@@ -8606,7 +8701,14 @@
         <p:cNvGrpSpPr/>
         <p:nvPr/>
       </p:nvGrpSpPr>
-      <p:grpSpPr/>
+      <p:grpSpPr>
+        <a:xfrm>
+          <a:off x="0" y="0"/>
+          <a:ext cx="0" cy="0"/>
+          <a:chOff x="0" y="0"/>
+          <a:chExt cx="0" cy="0"/>
+        </a:xfrm>
+      </p:grpSpPr>
       <p:sp>
         <p:nvSpPr>
           <p:cNvPr id="2" name="内容占位符 1"/>
@@ -8620,6 +8722,7 @@
         <p:spPr/>
         <p:txBody>
           <a:bodyPr/>
+          <a:lstStyle/>
           <a:p>
             <a:r>
               <a:rPr lang="en-US"/>
@@ -8693,6 +8796,7 @@
             <a:pPr marL="168275" lvl="1" indent="0">
               <a:buNone/>
             </a:pPr>
+            <a:endParaRPr lang="en-US"/>
           </a:p>
         </p:txBody>
       </p:sp>
@@ -8709,12 +8813,12 @@
         <p:spPr/>
         <p:txBody>
           <a:bodyPr/>
+          <a:lstStyle/>
           <a:p>
             <a:r>
               <a:rPr lang="en-US" altLang="zh-CN"/>
               <a:t>Error</a:t>
             </a:r>
-            <a:endParaRPr lang="en-US" altLang="zh-CN"/>
           </a:p>
         </p:txBody>
       </p:sp>
@@ -8738,9 +8842,10 @@
           <a:bodyPr wrap="none" rtlCol="0">
             <a:spAutoFit/>
           </a:bodyPr>
-          <a:p>
-            <a:r>
-              <a:rPr lang="en-US" altLang="zh-CN" sz="2400" dirty="0" smtClean="0">
+          <a:lstStyle/>
+          <a:p>
+            <a:r>
+              <a:rPr lang="en-US" altLang="zh-CN" sz="2400" dirty="0">
                 <a:latin typeface="Arial" panose="020B0604020202020204" pitchFamily="34" charset="0"/>
               </a:rPr>
               <a:t>8.html</a:t>
@@ -8760,7 +8865,7 @@
           <p:nvPr/>
         </p:nvPicPr>
         <p:blipFill>
-          <a:blip r:embed="rId1"/>
+          <a:blip r:embed="rId3"/>
           <a:stretch>
             <a:fillRect/>
           </a:stretch>
@@ -8800,7 +8905,14 @@
         <p:cNvGrpSpPr/>
         <p:nvPr/>
       </p:nvGrpSpPr>
-      <p:grpSpPr/>
+      <p:grpSpPr>
+        <a:xfrm>
+          <a:off x="0" y="0"/>
+          <a:ext cx="0" cy="0"/>
+          <a:chOff x="0" y="0"/>
+          <a:chExt cx="0" cy="0"/>
+        </a:xfrm>
+      </p:grpSpPr>
       <p:sp>
         <p:nvSpPr>
           <p:cNvPr id="2" name="内容占位符 1"/>
@@ -8822,12 +8934,12 @@
         </p:spPr>
         <p:txBody>
           <a:bodyPr/>
+          <a:lstStyle/>
           <a:p>
             <a:r>
               <a:rPr lang="en-US" altLang="zh-CN"/>
               <a:t> Array</a:t>
             </a:r>
-            <a:endParaRPr lang="en-US" altLang="zh-CN"/>
           </a:p>
           <a:p>
             <a:pPr lvl="1"/>
@@ -8843,7 +8955,6 @@
               <a:rPr lang="en-US" altLang="zh-CN"/>
               <a:t>from  of  isArray</a:t>
             </a:r>
-            <a:endParaRPr lang="en-US" altLang="zh-CN"/>
           </a:p>
           <a:p>
             <a:pPr lvl="1"/>
@@ -8867,7 +8978,6 @@
               <a:rPr lang="en-US" altLang="zh-CN"/>
               <a:t>map ervery  some  filter  reduce</a:t>
             </a:r>
-            <a:endParaRPr lang="en-US" altLang="zh-CN"/>
           </a:p>
           <a:p>
             <a:pPr lvl="0"/>
@@ -8875,7 +8985,6 @@
               <a:rPr lang="en-US" altLang="zh-CN"/>
               <a:t> Error</a:t>
             </a:r>
-            <a:endParaRPr lang="en-US" altLang="zh-CN"/>
           </a:p>
           <a:p>
             <a:pPr lvl="1"/>
@@ -8912,11 +9021,6 @@
               </a:rPr>
               <a:t>类型</a:t>
             </a:r>
-            <a:endParaRPr lang="zh-CN" altLang="en-US">
-              <a:solidFill>
-                <a:schemeClr val="tx1"/>
-              </a:solidFill>
-            </a:endParaRPr>
           </a:p>
           <a:p>
             <a:pPr lvl="1"/>
@@ -8936,11 +9040,6 @@
               </a:rPr>
               <a:t>try  catch  finally</a:t>
             </a:r>
-            <a:endParaRPr lang="en-US" altLang="zh-CN">
-              <a:solidFill>
-                <a:schemeClr val="tx1"/>
-              </a:solidFill>
-            </a:endParaRPr>
           </a:p>
           <a:p>
             <a:pPr lvl="1"/>
@@ -8952,11 +9051,6 @@
               </a:rPr>
               <a:t> throw</a:t>
             </a:r>
-            <a:endParaRPr lang="en-US" altLang="zh-CN">
-              <a:solidFill>
-                <a:schemeClr val="tx1"/>
-              </a:solidFill>
-            </a:endParaRPr>
           </a:p>
         </p:txBody>
       </p:sp>
@@ -8973,12 +9067,12 @@
         <p:spPr/>
         <p:txBody>
           <a:bodyPr/>
+          <a:lstStyle/>
           <a:p>
             <a:r>
               <a:rPr lang="zh-CN" altLang="en-US" dirty="0"/>
               <a:t>总结</a:t>
             </a:r>
-            <a:endParaRPr lang="zh-CN" altLang="en-US" dirty="0"/>
           </a:p>
           <a:p>
             <a:endParaRPr lang="zh-CN" altLang="en-US"/>
@@ -9002,7 +9096,14 @@
         <p:cNvGrpSpPr/>
         <p:nvPr/>
       </p:nvGrpSpPr>
-      <p:grpSpPr/>
+      <p:grpSpPr>
+        <a:xfrm>
+          <a:off x="0" y="0"/>
+          <a:ext cx="0" cy="0"/>
+          <a:chOff x="0" y="0"/>
+          <a:chExt cx="0" cy="0"/>
+        </a:xfrm>
+      </p:grpSpPr>
       <p:sp>
         <p:nvSpPr>
           <p:cNvPr id="2" name="内容占位符 1"/>
@@ -9016,6 +9117,7 @@
         <p:spPr/>
         <p:txBody>
           <a:bodyPr/>
+          <a:lstStyle/>
           <a:p>
             <a:r>
               <a:rPr lang="en-US" altLang="zh-CN" sz="2800">
@@ -9081,9 +9183,6 @@
               </a:rPr>
               <a:t>章</a:t>
             </a:r>
-            <a:endParaRPr lang="zh-CN" altLang="en-US">
-              <a:sym typeface="+mn-ea"/>
-            </a:endParaRPr>
           </a:p>
           <a:p>
             <a:pPr lvl="0"/>
@@ -9139,9 +9238,10 @@
         <p:spPr/>
         <p:txBody>
           <a:bodyPr/>
-          <a:p>
-            <a:r>
-              <a:rPr lang="zh-CN" dirty="0" smtClean="0">
+          <a:lstStyle/>
+          <a:p>
+            <a:r>
+              <a:rPr lang="zh-CN" dirty="0">
                 <a:sym typeface="+mn-ea"/>
               </a:rPr>
               <a:t>任务</a:t>
@@ -9187,7 +9287,7 @@
           <p:nvPr/>
         </p:nvPicPr>
         <p:blipFill>
-          <a:blip r:embed="rId1">
+          <a:blip r:embed="rId2">
             <a:extLst>
               <a:ext uri="{28A0092B-C50C-407E-A947-70E740481C1C}">
                 <a14:useLocalDpi xmlns:a14="http://schemas.microsoft.com/office/drawing/2010/main" val="0"/>
@@ -9305,7 +9405,7 @@
           <p:nvPr/>
         </p:nvPicPr>
         <p:blipFill>
-          <a:blip r:embed="rId2">
+          <a:blip r:embed="rId3">
             <a:extLst>
               <a:ext uri="{28A0092B-C50C-407E-A947-70E740481C1C}">
                 <a14:useLocalDpi xmlns:a14="http://schemas.microsoft.com/office/drawing/2010/main" val="0"/>
@@ -9464,10 +9564,6 @@
               </a:rPr>
               <a:t>Error</a:t>
             </a:r>
-            <a:endParaRPr lang="en-US" altLang="zh-CN" sz="2800" b="1" dirty="0">
-              <a:latin typeface="微软雅黑" panose="020B0503020204020204" pitchFamily="34" charset="-122"/>
-              <a:ea typeface="微软雅黑" panose="020B0503020204020204" pitchFamily="34" charset="-122"/>
-            </a:endParaRPr>
           </a:p>
         </p:txBody>
       </p:sp>
@@ -9640,12 +9736,6 @@
               </a:rPr>
               <a:t>内容提纲</a:t>
             </a:r>
-            <a:endParaRPr lang="zh-CN" altLang="en-US">
-              <a:solidFill>
-                <a:srgbClr val="C00000"/>
-              </a:solidFill>
-              <a:latin typeface="微软雅黑" panose="020B0503020204020204" pitchFamily="34" charset="-122"/>
-            </a:endParaRPr>
           </a:p>
         </p:txBody>
       </p:sp>
@@ -9666,7 +9756,14 @@
         <p:cNvGrpSpPr/>
         <p:nvPr/>
       </p:nvGrpSpPr>
-      <p:grpSpPr/>
+      <p:grpSpPr>
+        <a:xfrm>
+          <a:off x="0" y="0"/>
+          <a:ext cx="0" cy="0"/>
+          <a:chOff x="0" y="0"/>
+          <a:chExt cx="0" cy="0"/>
+        </a:xfrm>
+      </p:grpSpPr>
       <p:sp>
         <p:nvSpPr>
           <p:cNvPr id="2" name="内容占位符 1"/>
@@ -9680,6 +9777,7 @@
         <p:spPr/>
         <p:txBody>
           <a:bodyPr/>
+          <a:lstStyle/>
           <a:p>
             <a:r>
               <a:rPr lang="en-US" altLang="zh-CN">
@@ -9769,12 +9867,6 @@
               </a:rPr>
               <a:t>等</a:t>
             </a:r>
-            <a:endParaRPr lang="zh-CN" altLang="en-US" dirty="0">
-              <a:solidFill>
-                <a:schemeClr val="tx1"/>
-              </a:solidFill>
-              <a:sym typeface="+mn-ea"/>
-            </a:endParaRPr>
           </a:p>
           <a:p>
             <a:pPr lvl="0"/>
@@ -9805,9 +9897,6 @@
               </a:rPr>
               <a:t>）</a:t>
             </a:r>
-            <a:endParaRPr lang="zh-CN" altLang="en-US">
-              <a:sym typeface="+mn-ea"/>
-            </a:endParaRPr>
           </a:p>
           <a:p>
             <a:pPr lvl="1">
@@ -9824,12 +9913,6 @@
               </a:rPr>
               <a:t>Array.prototype.shift()    Array.prototype.unshift(elem1?,elem2?,...)</a:t>
             </a:r>
-            <a:endParaRPr lang="en-US" altLang="zh-CN" dirty="0">
-              <a:solidFill>
-                <a:schemeClr val="tx1"/>
-              </a:solidFill>
-              <a:sym typeface="+mn-ea"/>
-            </a:endParaRPr>
           </a:p>
           <a:p>
             <a:pPr lvl="1">
@@ -9846,12 +9929,6 @@
               </a:rPr>
               <a:t>Array.prototype.pop()     Array.prototype.push(elem1?,elem2?,...)</a:t>
             </a:r>
-            <a:endParaRPr lang="en-US" altLang="zh-CN" dirty="0">
-              <a:solidFill>
-                <a:schemeClr val="tx1"/>
-              </a:solidFill>
-              <a:sym typeface="+mn-ea"/>
-            </a:endParaRPr>
           </a:p>
           <a:p>
             <a:pPr lvl="1">
@@ -9908,6 +9985,7 @@
         <p:spPr/>
         <p:txBody>
           <a:bodyPr/>
+          <a:lstStyle/>
           <a:p>
             <a:r>
               <a:rPr lang="en-US" altLang="zh-CN" dirty="0"/>
@@ -9942,12 +10020,13 @@
           <a:bodyPr wrap="square" rtlCol="0" anchor="t">
             <a:spAutoFit/>
           </a:bodyPr>
+          <a:lstStyle/>
           <a:p>
             <a:r>
               <a:rPr lang="zh-CN" altLang="en-US">
                 <a:latin typeface="微软雅黑" panose="020B0503020204020204" pitchFamily="34" charset="-122"/>
                 <a:ea typeface="微软雅黑" panose="020B0503020204020204" pitchFamily="34" charset="-122"/>
-                <a:hlinkClick r:id="rId1" action="ppaction://hlinkfile"/>
+                <a:hlinkClick r:id="rId2" action="ppaction://hlinkfile"/>
               </a:rPr>
               <a:t>https://developer.mozilla.org/zh-CN/docs/Web/JavaScript/Reference/Global_Objects/</a:t>
             </a:r>
@@ -9955,15 +10034,10 @@
               <a:rPr lang="en-US" altLang="zh-CN">
                 <a:latin typeface="微软雅黑" panose="020B0503020204020204" pitchFamily="34" charset="-122"/>
                 <a:ea typeface="微软雅黑" panose="020B0503020204020204" pitchFamily="34" charset="-122"/>
-                <a:hlinkClick r:id="rId1" action="ppaction://hlinkfile"/>
+                <a:hlinkClick r:id="rId2" action="ppaction://hlinkfile"/>
               </a:rPr>
               <a:t>Array</a:t>
             </a:r>
-            <a:endParaRPr lang="en-US" altLang="zh-CN">
-              <a:latin typeface="微软雅黑" panose="020B0503020204020204" pitchFamily="34" charset="-122"/>
-              <a:ea typeface="微软雅黑" panose="020B0503020204020204" pitchFamily="34" charset="-122"/>
-              <a:hlinkClick r:id="rId1" action="ppaction://hlinkfile"/>
-            </a:endParaRPr>
           </a:p>
         </p:txBody>
       </p:sp>
@@ -9987,18 +10061,15 @@
           <a:bodyPr wrap="square" rtlCol="0">
             <a:spAutoFit/>
           </a:bodyPr>
-          <a:p>
-            <a:r>
-              <a:rPr lang="en-US" altLang="zh-CN" sz="2800" dirty="0" smtClean="0">
+          <a:lstStyle/>
+          <a:p>
+            <a:r>
+              <a:rPr lang="en-US" altLang="zh-CN" sz="2800" dirty="0">
                 <a:latin typeface="Arial" panose="020B0604020202020204" pitchFamily="34" charset="0"/>
                 <a:ea typeface="微软雅黑" panose="020B0503020204020204" pitchFamily="34" charset="-122"/>
               </a:rPr>
               <a:t>1.html</a:t>
             </a:r>
-            <a:endParaRPr lang="en-US" altLang="zh-CN" sz="2800" dirty="0">
-              <a:latin typeface="Arial" panose="020B0604020202020204" pitchFamily="34" charset="0"/>
-              <a:ea typeface="微软雅黑" panose="020B0503020204020204" pitchFamily="34" charset="-122"/>
-            </a:endParaRPr>
           </a:p>
         </p:txBody>
       </p:sp>
@@ -10019,7 +10090,14 @@
         <p:cNvGrpSpPr/>
         <p:nvPr/>
       </p:nvGrpSpPr>
-      <p:grpSpPr/>
+      <p:grpSpPr>
+        <a:xfrm>
+          <a:off x="0" y="0"/>
+          <a:ext cx="0" cy="0"/>
+          <a:chOff x="0" y="0"/>
+          <a:chExt cx="0" cy="0"/>
+        </a:xfrm>
+      </p:grpSpPr>
       <p:sp>
         <p:nvSpPr>
           <p:cNvPr id="2" name="内容占位符 1"/>
@@ -10033,6 +10111,7 @@
         <p:spPr/>
         <p:txBody>
           <a:bodyPr/>
+          <a:lstStyle/>
           <a:p>
             <a:r>
               <a:rPr lang="en-US" altLang="zh-CN">
@@ -10067,9 +10146,6 @@
               </a:rPr>
               <a:t>）</a:t>
             </a:r>
-            <a:endParaRPr lang="zh-CN" altLang="en-US">
-              <a:sym typeface="+mn-ea"/>
-            </a:endParaRPr>
           </a:p>
           <a:p>
             <a:pPr lvl="1">
@@ -10086,12 +10162,6 @@
               </a:rPr>
               <a:t> Array.prototype.reverse()</a:t>
             </a:r>
-            <a:endParaRPr lang="en-US" altLang="zh-CN" dirty="0">
-              <a:solidFill>
-                <a:schemeClr val="tx1"/>
-              </a:solidFill>
-              <a:sym typeface="+mn-ea"/>
-            </a:endParaRPr>
           </a:p>
           <a:p>
             <a:pPr lvl="1">
@@ -10126,12 +10196,6 @@
               </a:rPr>
               <a:t>) </a:t>
             </a:r>
-            <a:endParaRPr lang="en-US" altLang="zh-CN" dirty="0">
-              <a:solidFill>
-                <a:schemeClr val="tx1"/>
-              </a:solidFill>
-              <a:sym typeface="+mn-ea"/>
-            </a:endParaRPr>
           </a:p>
           <a:p>
             <a:pPr lvl="0"/>
@@ -10163,26 +10227,14 @@
                 </a:solidFill>
                 <a:sym typeface="+mn-ea"/>
               </a:rPr>
-              <a:t>非</a:t>
+              <a:t>非破坏性</a:t>
             </a:r>
             <a:r>
               <a:rPr lang="zh-CN" altLang="en-US">
-                <a:solidFill>
-                  <a:srgbClr val="FF0000"/>
-                </a:solidFill>
-                <a:sym typeface="+mn-ea"/>
-              </a:rPr>
-              <a:t>破坏性</a:t>
-            </a:r>
-            <a:r>
-              <a:rPr lang="zh-CN" altLang="en-US">
                 <a:sym typeface="+mn-ea"/>
               </a:rPr>
               <a:t>）</a:t>
             </a:r>
-            <a:endParaRPr lang="zh-CN" altLang="en-US">
-              <a:sym typeface="+mn-ea"/>
-            </a:endParaRPr>
           </a:p>
           <a:p>
             <a:pPr lvl="1">
@@ -10208,12 +10260,6 @@
               </a:rPr>
               <a:t>Array.prototype.concat(arr1?,arr2?,...)</a:t>
             </a:r>
-            <a:endParaRPr lang="en-US" altLang="zh-CN" dirty="0">
-              <a:solidFill>
-                <a:schemeClr val="tx1"/>
-              </a:solidFill>
-              <a:sym typeface="+mn-ea"/>
-            </a:endParaRPr>
           </a:p>
           <a:p>
             <a:pPr lvl="1">
@@ -10233,12 +10279,6 @@
               </a:rPr>
               <a:t> Array.prototype.slice(begin?,end?) </a:t>
             </a:r>
-            <a:endParaRPr lang="en-US" altLang="zh-CN" dirty="0">
-              <a:solidFill>
-                <a:schemeClr val="tx1"/>
-              </a:solidFill>
-              <a:sym typeface="+mn-ea"/>
-            </a:endParaRPr>
           </a:p>
           <a:p>
             <a:pPr lvl="1">
@@ -10267,12 +10307,6 @@
               </a:rPr>
               <a:t>注意返回的类型</a:t>
             </a:r>
-            <a:endParaRPr lang="zh-CN" altLang="en-US" dirty="0">
-              <a:solidFill>
-                <a:schemeClr val="tx1"/>
-              </a:solidFill>
-              <a:sym typeface="+mn-ea"/>
-            </a:endParaRPr>
           </a:p>
           <a:p>
             <a:pPr>
@@ -10307,6 +10341,7 @@
         <p:spPr/>
         <p:txBody>
           <a:bodyPr/>
+          <a:lstStyle/>
           <a:p>
             <a:r>
               <a:rPr lang="en-US" altLang="zh-CN" dirty="0"/>
@@ -10336,7 +10371,14 @@
         <p:cNvGrpSpPr/>
         <p:nvPr/>
       </p:nvGrpSpPr>
-      <p:grpSpPr/>
+      <p:grpSpPr>
+        <a:xfrm>
+          <a:off x="0" y="0"/>
+          <a:ext cx="0" cy="0"/>
+          <a:chOff x="0" y="0"/>
+          <a:chExt cx="0" cy="0"/>
+        </a:xfrm>
+      </p:grpSpPr>
       <p:sp>
         <p:nvSpPr>
           <p:cNvPr id="2" name="内容占位符 1"/>
@@ -10350,27 +10392,28 @@
         <p:spPr/>
         <p:txBody>
           <a:bodyPr/>
-          <a:p>
-            <a:r>
-              <a:rPr lang="en-US" altLang="zh-CN">
+          <a:lstStyle/>
+          <a:p>
+            <a:r>
+              <a:rPr lang="en-US" altLang="zh-CN" dirty="0">
                 <a:sym typeface="+mn-ea"/>
               </a:rPr>
               <a:t> </a:t>
             </a:r>
             <a:r>
-              <a:rPr lang="zh-CN" altLang="en-US">
+              <a:rPr lang="zh-CN" altLang="en-US" dirty="0">
                 <a:sym typeface="+mn-ea"/>
               </a:rPr>
               <a:t>原型方法（值的查找 </a:t>
             </a:r>
             <a:r>
-              <a:rPr lang="en-US" altLang="zh-CN">
+              <a:rPr lang="en-US" altLang="zh-CN" dirty="0">
                 <a:sym typeface="+mn-ea"/>
               </a:rPr>
               <a:t>—— </a:t>
             </a:r>
             <a:r>
-              <a:rPr lang="zh-CN" altLang="en-US">
+              <a:rPr lang="zh-CN" altLang="en-US" dirty="0">
                 <a:solidFill>
                   <a:srgbClr val="FF0000"/>
                 </a:solidFill>
@@ -10379,14 +10422,11 @@
               <a:t>非破坏性</a:t>
             </a:r>
             <a:r>
-              <a:rPr lang="zh-CN" altLang="en-US">
+              <a:rPr lang="zh-CN" altLang="en-US" dirty="0">
                 <a:sym typeface="+mn-ea"/>
               </a:rPr>
               <a:t>）</a:t>
             </a:r>
-            <a:endParaRPr lang="zh-CN" altLang="en-US">
-              <a:sym typeface="+mn-ea"/>
-            </a:endParaRPr>
           </a:p>
           <a:p>
             <a:pPr lvl="1">
@@ -10395,7 +10435,7 @@
               </a:lnSpc>
             </a:pPr>
             <a:r>
-              <a:rPr lang="zh-CN" altLang="en-US" sz="2400">
+              <a:rPr lang="zh-CN" altLang="en-US" sz="2400" dirty="0">
                 <a:sym typeface="+mn-ea"/>
               </a:rPr>
               <a:t> </a:t>
@@ -10409,12 +10449,6 @@
               </a:rPr>
               <a:t>Array.prototype.indexOf(searchValue,startIndex?)</a:t>
             </a:r>
-            <a:endParaRPr lang="en-US" altLang="zh-CN" dirty="0">
-              <a:solidFill>
-                <a:schemeClr val="tx1"/>
-              </a:solidFill>
-              <a:sym typeface="+mn-ea"/>
-            </a:endParaRPr>
           </a:p>
           <a:p>
             <a:pPr lvl="1">
@@ -10431,12 +10465,6 @@
               </a:rPr>
               <a:t> Array.prototype.lastIndexOf(searchElement,startIndex?)</a:t>
             </a:r>
-            <a:endParaRPr lang="en-US" altLang="zh-CN" dirty="0">
-              <a:solidFill>
-                <a:schemeClr val="tx1"/>
-              </a:solidFill>
-              <a:sym typeface="+mn-ea"/>
-            </a:endParaRPr>
           </a:p>
           <a:p>
             <a:pPr lvl="0"/>
@@ -10450,19 +10478,19 @@
               <a:t> </a:t>
             </a:r>
             <a:r>
-              <a:rPr lang="zh-CN" altLang="en-US">
+              <a:rPr lang="zh-CN" altLang="en-US" dirty="0">
                 <a:sym typeface="+mn-ea"/>
               </a:rPr>
               <a:t>原型方法（迭代 </a:t>
             </a:r>
             <a:r>
-              <a:rPr lang="en-US" altLang="zh-CN">
+              <a:rPr lang="en-US" altLang="zh-CN" dirty="0">
                 <a:sym typeface="+mn-ea"/>
               </a:rPr>
               <a:t>—— </a:t>
             </a:r>
             <a:r>
-              <a:rPr lang="zh-CN" altLang="en-US">
+              <a:rPr lang="zh-CN" altLang="en-US" dirty="0">
                 <a:solidFill>
                   <a:srgbClr val="FF0000"/>
                 </a:solidFill>
@@ -10471,14 +10499,11 @@
               <a:t>非破坏性</a:t>
             </a:r>
             <a:r>
-              <a:rPr lang="zh-CN" altLang="en-US">
+              <a:rPr lang="zh-CN" altLang="en-US" dirty="0">
                 <a:sym typeface="+mn-ea"/>
               </a:rPr>
               <a:t>）</a:t>
             </a:r>
-            <a:endParaRPr lang="zh-CN" altLang="en-US">
-              <a:sym typeface="+mn-ea"/>
-            </a:endParaRPr>
           </a:p>
           <a:p>
             <a:pPr lvl="1">
@@ -10502,14 +10527,71 @@
                 </a:solidFill>
                 <a:sym typeface="+mn-ea"/>
               </a:rPr>
-              <a:t>Array.prototype.forEach(callback,thisValue?) </a:t>
-            </a:r>
-            <a:endParaRPr lang="en-US" altLang="zh-CN" dirty="0">
-              <a:solidFill>
-                <a:schemeClr val="tx1"/>
-              </a:solidFill>
-              <a:sym typeface="+mn-ea"/>
-            </a:endParaRPr>
+              <a:t>Array.prototype.forEach(callback,thisValue?) //(</a:t>
+            </a:r>
+            <a:r>
+              <a:rPr lang="en-US" altLang="zh-CN" dirty="0">
+                <a:solidFill>
+                  <a:srgbClr val="00B0F0"/>
+                </a:solidFill>
+                <a:sym typeface="+mn-ea"/>
+              </a:rPr>
+              <a:t>arg1:</a:t>
+            </a:r>
+            <a:r>
+              <a:rPr lang="zh-CN" altLang="en-US" dirty="0">
+                <a:solidFill>
+                  <a:srgbClr val="00B0F0"/>
+                </a:solidFill>
+                <a:sym typeface="+mn-ea"/>
+              </a:rPr>
+              <a:t>函数</a:t>
+            </a:r>
+            <a:r>
+              <a:rPr lang="en-US" altLang="zh-CN" dirty="0">
+                <a:solidFill>
+                  <a:srgbClr val="00B0F0"/>
+                </a:solidFill>
+                <a:sym typeface="+mn-ea"/>
+              </a:rPr>
+              <a:t>,arg2:</a:t>
+            </a:r>
+            <a:r>
+              <a:rPr lang="zh-CN" altLang="en-US" dirty="0">
+                <a:solidFill>
+                  <a:srgbClr val="00B0F0"/>
+                </a:solidFill>
+                <a:sym typeface="+mn-ea"/>
+              </a:rPr>
+              <a:t>可以改变</a:t>
+            </a:r>
+            <a:r>
+              <a:rPr lang="en-US" altLang="zh-CN" dirty="0">
+                <a:solidFill>
+                  <a:srgbClr val="00B0F0"/>
+                </a:solidFill>
+                <a:sym typeface="+mn-ea"/>
+              </a:rPr>
+              <a:t>this</a:t>
+            </a:r>
+            <a:r>
+              <a:rPr lang="zh-CN" altLang="en-US" dirty="0">
+                <a:solidFill>
+                  <a:srgbClr val="00B0F0"/>
+                </a:solidFill>
+                <a:sym typeface="+mn-ea"/>
+              </a:rPr>
+              <a:t>指向</a:t>
+            </a:r>
+            <a:r>
+              <a:rPr lang="en-US" altLang="zh-CN" dirty="0">
+                <a:solidFill>
+                  <a:srgbClr val="00B0F0"/>
+                </a:solidFill>
+                <a:sym typeface="+mn-ea"/>
+              </a:rPr>
+              <a:t>)</a:t>
+            </a:r>
           </a:p>
           <a:p>
             <a:pPr lvl="1">
@@ -10526,12 +10608,6 @@
               </a:rPr>
               <a:t> Array.prototype.every(callback,thisValue?)</a:t>
             </a:r>
-            <a:endParaRPr lang="en-US" altLang="zh-CN" dirty="0">
-              <a:solidFill>
-                <a:schemeClr val="tx1"/>
-              </a:solidFill>
-              <a:sym typeface="+mn-ea"/>
-            </a:endParaRPr>
           </a:p>
           <a:p>
             <a:pPr lvl="1">
@@ -10548,13 +10624,13 @@
               </a:rPr>
               <a:t> Array.prototype.some(callback,thisValue?)  </a:t>
             </a:r>
-            <a:endParaRPr lang="en-US" altLang="zh-CN"/>
+            <a:endParaRPr lang="en-US" altLang="zh-CN" dirty="0"/>
           </a:p>
           <a:p>
             <a:pPr marL="168275" lvl="1" indent="0">
               <a:buNone/>
             </a:pPr>
-            <a:endParaRPr lang="en-US" altLang="zh-CN"/>
+            <a:endParaRPr lang="en-US" altLang="zh-CN" dirty="0"/>
           </a:p>
         </p:txBody>
       </p:sp>
@@ -10571,6 +10647,7 @@
         <p:spPr/>
         <p:txBody>
           <a:bodyPr/>
+          <a:lstStyle/>
           <a:p>
             <a:r>
               <a:rPr lang="en-US" altLang="zh-CN" dirty="0"/>
@@ -10612,6 +10689,7 @@
         </p:spPr>
         <p:txBody>
           <a:bodyPr vert="horz" wrap="square" lIns="91440" tIns="45720" rIns="91440" bIns="45720" numCol="1" anchor="t" anchorCtr="0" compatLnSpc="1"/>
+          <a:lstStyle/>
           <a:p>
             <a:pPr marL="0" marR="0" indent="0" algn="l" defTabSz="914400" rtl="0" eaLnBrk="0" fontAlgn="base" latinLnBrk="0" hangingPunct="0">
               <a:lnSpc>
@@ -10628,7 +10706,7 @@
               <a:buFontTx/>
               <a:buNone/>
             </a:pPr>
-            <a:endParaRPr kumimoji="0" lang="zh-CN" altLang="en-US" sz="3200" b="0" i="0" u="none" strike="noStrike" cap="none" normalizeH="0" baseline="0" smtClean="0">
+            <a:endParaRPr kumimoji="0" lang="zh-CN" altLang="en-US" sz="3200" b="0" i="0" u="none" strike="noStrike" cap="none" normalizeH="0" baseline="0">
               <a:ln>
                 <a:noFill/>
               </a:ln>
@@ -10661,18 +10739,15 @@
           <a:bodyPr wrap="square" rtlCol="0">
             <a:spAutoFit/>
           </a:bodyPr>
-          <a:p>
-            <a:r>
-              <a:rPr lang="en-US" altLang="zh-CN" sz="2800" dirty="0" smtClean="0">
+          <a:lstStyle/>
+          <a:p>
+            <a:r>
+              <a:rPr lang="en-US" altLang="zh-CN" sz="2800" dirty="0">
                 <a:latin typeface="Arial" panose="020B0604020202020204" pitchFamily="34" charset="0"/>
                 <a:ea typeface="微软雅黑" panose="020B0503020204020204" pitchFamily="34" charset="-122"/>
               </a:rPr>
               <a:t>2.html</a:t>
             </a:r>
-            <a:endParaRPr lang="en-US" altLang="zh-CN" sz="2800" dirty="0">
-              <a:latin typeface="Arial" panose="020B0604020202020204" pitchFamily="34" charset="0"/>
-              <a:ea typeface="微软雅黑" panose="020B0503020204020204" pitchFamily="34" charset="-122"/>
-            </a:endParaRPr>
           </a:p>
         </p:txBody>
       </p:sp>
@@ -10693,7 +10768,14 @@
         <p:cNvGrpSpPr/>
         <p:nvPr/>
       </p:nvGrpSpPr>
-      <p:grpSpPr/>
+      <p:grpSpPr>
+        <a:xfrm>
+          <a:off x="0" y="0"/>
+          <a:ext cx="0" cy="0"/>
+          <a:chOff x="0" y="0"/>
+          <a:chExt cx="0" cy="0"/>
+        </a:xfrm>
+      </p:grpSpPr>
       <p:sp>
         <p:nvSpPr>
           <p:cNvPr id="2" name="内容占位符 1"/>
@@ -10707,6 +10789,7 @@
         <p:spPr/>
         <p:txBody>
           <a:bodyPr/>
+          <a:lstStyle/>
           <a:p>
             <a:r>
               <a:rPr lang="en-US" altLang="zh-CN">
@@ -10741,9 +10824,6 @@
               </a:rPr>
               <a:t>）</a:t>
             </a:r>
-            <a:endParaRPr lang="zh-CN" altLang="en-US">
-              <a:sym typeface="+mn-ea"/>
-            </a:endParaRPr>
           </a:p>
           <a:p>
             <a:pPr lvl="1">
@@ -10766,12 +10846,6 @@
               </a:rPr>
               <a:t>Array.prototype.map(callback,thisValue?)</a:t>
             </a:r>
-            <a:endParaRPr lang="en-US" altLang="zh-CN" dirty="0">
-              <a:solidFill>
-                <a:schemeClr val="tx1"/>
-              </a:solidFill>
-              <a:sym typeface="+mn-ea"/>
-            </a:endParaRPr>
           </a:p>
           <a:p>
             <a:pPr lvl="1">
@@ -10788,12 +10862,6 @@
               </a:rPr>
               <a:t> Array.prototype.filter(callback,thisValue?)</a:t>
             </a:r>
-            <a:endParaRPr lang="en-US" altLang="zh-CN" dirty="0">
-              <a:solidFill>
-                <a:schemeClr val="tx1"/>
-              </a:solidFill>
-              <a:sym typeface="+mn-ea"/>
-            </a:endParaRPr>
           </a:p>
           <a:p>
             <a:pPr>
@@ -10828,9 +10896,6 @@
               </a:rPr>
               <a:t>）</a:t>
             </a:r>
-            <a:endParaRPr lang="zh-CN" altLang="en-US">
-              <a:sym typeface="+mn-ea"/>
-            </a:endParaRPr>
           </a:p>
           <a:p>
             <a:pPr lvl="1">
@@ -10853,12 +10918,6 @@
               </a:rPr>
               <a:t>Array.prototype.reduce(element,initialValue?)</a:t>
             </a:r>
-            <a:endParaRPr lang="en-US" altLang="zh-CN" dirty="0">
-              <a:solidFill>
-                <a:schemeClr val="tx1"/>
-              </a:solidFill>
-              <a:sym typeface="+mn-ea"/>
-            </a:endParaRPr>
           </a:p>
           <a:p>
             <a:pPr lvl="1">
@@ -10875,12 +10934,6 @@
               </a:rPr>
               <a:t> Array.prototype.reduceRight(callback,initialValue?)</a:t>
             </a:r>
-            <a:endParaRPr lang="en-US" altLang="zh-CN" dirty="0">
-              <a:solidFill>
-                <a:schemeClr val="tx1"/>
-              </a:solidFill>
-              <a:sym typeface="+mn-ea"/>
-            </a:endParaRPr>
           </a:p>
           <a:p>
             <a:endParaRPr lang="en-US" altLang="zh-CN"/>
@@ -10906,6 +10959,7 @@
         <p:spPr/>
         <p:txBody>
           <a:bodyPr/>
+          <a:lstStyle/>
           <a:p>
             <a:r>
               <a:rPr lang="en-US" altLang="zh-CN" dirty="0"/>
@@ -10947,6 +11001,7 @@
         </p:spPr>
         <p:txBody>
           <a:bodyPr vert="horz" wrap="square" lIns="91440" tIns="45720" rIns="91440" bIns="45720" numCol="1" anchor="t" anchorCtr="0" compatLnSpc="1"/>
+          <a:lstStyle/>
           <a:p>
             <a:pPr marL="0" marR="0" indent="0" algn="l" defTabSz="914400" rtl="0" eaLnBrk="0" fontAlgn="base" latinLnBrk="0" hangingPunct="0">
               <a:lnSpc>
@@ -10963,7 +11018,7 @@
               <a:buFontTx/>
               <a:buNone/>
             </a:pPr>
-            <a:endParaRPr kumimoji="0" lang="zh-CN" altLang="en-US" sz="3200" b="0" i="0" u="none" strike="noStrike" cap="none" normalizeH="0" baseline="0" smtClean="0">
+            <a:endParaRPr kumimoji="0" lang="zh-CN" altLang="en-US" sz="3200" b="0" i="0" u="none" strike="noStrike" cap="none" normalizeH="0" baseline="0">
               <a:ln>
                 <a:noFill/>
               </a:ln>
@@ -11005,6 +11060,7 @@
         </p:spPr>
         <p:txBody>
           <a:bodyPr vert="horz" wrap="square" lIns="91440" tIns="45720" rIns="91440" bIns="45720" numCol="1" anchor="t" anchorCtr="0" compatLnSpc="1"/>
+          <a:lstStyle/>
           <a:p>
             <a:pPr marL="0" marR="0" indent="0" algn="l" defTabSz="914400" rtl="0" eaLnBrk="0" fontAlgn="base" latinLnBrk="0" hangingPunct="0">
               <a:lnSpc>
@@ -11021,7 +11077,7 @@
               <a:buFontTx/>
               <a:buNone/>
             </a:pPr>
-            <a:endParaRPr kumimoji="0" lang="zh-CN" altLang="en-US" sz="3200" b="0" i="0" u="none" strike="noStrike" cap="none" normalizeH="0" baseline="0" smtClean="0">
+            <a:endParaRPr kumimoji="0" lang="zh-CN" altLang="en-US" sz="3200" b="0" i="0" u="none" strike="noStrike" cap="none" normalizeH="0" baseline="0">
               <a:ln>
                 <a:noFill/>
               </a:ln>
@@ -11054,18 +11110,15 @@
           <a:bodyPr wrap="square" rtlCol="0">
             <a:spAutoFit/>
           </a:bodyPr>
-          <a:p>
-            <a:r>
-              <a:rPr lang="en-US" altLang="zh-CN" sz="2800" dirty="0" smtClean="0">
+          <a:lstStyle/>
+          <a:p>
+            <a:r>
+              <a:rPr lang="en-US" altLang="zh-CN" sz="2800" dirty="0">
                 <a:latin typeface="Arial" panose="020B0604020202020204" pitchFamily="34" charset="0"/>
                 <a:ea typeface="微软雅黑" panose="020B0503020204020204" pitchFamily="34" charset="-122"/>
               </a:rPr>
               <a:t>2.html</a:t>
             </a:r>
-            <a:endParaRPr lang="en-US" altLang="zh-CN" sz="2800" dirty="0">
-              <a:latin typeface="Arial" panose="020B0604020202020204" pitchFamily="34" charset="0"/>
-              <a:ea typeface="微软雅黑" panose="020B0503020204020204" pitchFamily="34" charset="-122"/>
-            </a:endParaRPr>
           </a:p>
         </p:txBody>
       </p:sp>
@@ -11086,7 +11139,14 @@
         <p:cNvGrpSpPr/>
         <p:nvPr/>
       </p:nvGrpSpPr>
-      <p:grpSpPr/>
+      <p:grpSpPr>
+        <a:xfrm>
+          <a:off x="0" y="0"/>
+          <a:ext cx="0" cy="0"/>
+          <a:chOff x="0" y="0"/>
+          <a:chExt cx="0" cy="0"/>
+        </a:xfrm>
+      </p:grpSpPr>
       <p:sp>
         <p:nvSpPr>
           <p:cNvPr id="2" name="内容占位符 1"/>
@@ -11108,6 +11168,7 @@
         </p:spPr>
         <p:txBody>
           <a:bodyPr/>
+          <a:lstStyle/>
           <a:p>
             <a:r>
               <a:rPr lang="en-US"/>
@@ -11117,7 +11178,6 @@
               <a:rPr lang="zh-CN" altLang="en-US"/>
               <a:t>遍历所有元素</a:t>
             </a:r>
-            <a:endParaRPr lang="zh-CN" altLang="en-US"/>
           </a:p>
           <a:p>
             <a:r>
@@ -11132,7 +11192,6 @@
               <a:rPr lang="zh-CN" altLang="en-US"/>
               <a:t>判断所有元素是否都符合条件</a:t>
             </a:r>
-            <a:endParaRPr lang="zh-CN" altLang="en-US"/>
           </a:p>
           <a:p>
             <a:r>
@@ -11143,7 +11202,6 @@
               <a:rPr lang="zh-CN" altLang="en-US"/>
               <a:t>判断是否有至少一个元素符合条件</a:t>
             </a:r>
-            <a:endParaRPr lang="zh-CN" altLang="en-US"/>
           </a:p>
           <a:p>
             <a:r>
@@ -11158,7 +11216,6 @@
               <a:rPr lang="zh-CN" altLang="en-US"/>
               <a:t>对元素重新组装，生成新的数组</a:t>
             </a:r>
-            <a:endParaRPr lang="zh-CN" altLang="en-US"/>
           </a:p>
           <a:p>
             <a:r>
@@ -11179,6 +11236,9 @@
           </a:p>
           <a:p>
             <a:pPr lvl="1"/>
+            <a:endParaRPr lang="zh-CN" altLang="en-US">
+              <a:sym typeface="+mn-ea"/>
+            </a:endParaRPr>
           </a:p>
         </p:txBody>
       </p:sp>
@@ -11195,6 +11255,7 @@
         <p:spPr/>
         <p:txBody>
           <a:bodyPr/>
+          <a:lstStyle/>
           <a:p>
             <a:r>
               <a:rPr lang="en-US" altLang="zh-CN" dirty="0">
@@ -11226,7 +11287,14 @@
         <p:cNvGrpSpPr/>
         <p:nvPr/>
       </p:nvGrpSpPr>
-      <p:grpSpPr/>
+      <p:grpSpPr>
+        <a:xfrm>
+          <a:off x="0" y="0"/>
+          <a:ext cx="0" cy="0"/>
+          <a:chOff x="0" y="0"/>
+          <a:chExt cx="0" cy="0"/>
+        </a:xfrm>
+      </p:grpSpPr>
       <p:sp>
         <p:nvSpPr>
           <p:cNvPr id="2" name="内容占位符 1"/>
@@ -11240,6 +11308,7 @@
         <p:spPr/>
         <p:txBody>
           <a:bodyPr/>
+          <a:lstStyle/>
           <a:p>
             <a:r>
               <a:rPr lang="en-US"/>
@@ -11256,9 +11325,6 @@
               </a:rPr>
               <a:t> 稀疏数组</a:t>
             </a:r>
-            <a:endParaRPr lang="zh-CN" altLang="en-US">
-              <a:sym typeface="+mn-ea"/>
-            </a:endParaRPr>
           </a:p>
           <a:p>
             <a:r>
@@ -11267,9 +11333,6 @@
               </a:rPr>
               <a:t> 密集数组</a:t>
             </a:r>
-            <a:endParaRPr lang="zh-CN" altLang="en-US">
-              <a:sym typeface="+mn-ea"/>
-            </a:endParaRPr>
           </a:p>
           <a:p>
             <a:r>
@@ -11278,9 +11341,6 @@
               </a:rPr>
               <a:t> 关联数组</a:t>
             </a:r>
-            <a:endParaRPr lang="zh-CN" altLang="en-US">
-              <a:sym typeface="+mn-ea"/>
-            </a:endParaRPr>
           </a:p>
           <a:p>
             <a:pPr marL="168275" lvl="1" indent="0">
@@ -11303,12 +11363,12 @@
         <p:spPr/>
         <p:txBody>
           <a:bodyPr/>
+          <a:lstStyle/>
           <a:p>
             <a:r>
               <a:rPr lang="zh-CN" altLang="en-US" dirty="0"/>
               <a:t>数组相关（自学内容）</a:t>
             </a:r>
-            <a:endParaRPr lang="zh-CN" altLang="en-US" dirty="0"/>
           </a:p>
           <a:p>
             <a:endParaRPr lang="zh-CN" altLang="en-US"/>
@@ -11320,18 +11380,11 @@
   <p:clrMapOvr>
     <a:masterClrMapping/>
   </p:clrMapOvr>
-  <p:timing>
-    <p:tnLst>
-      <p:par>
-        <p:cTn id="1" dur="indefinite" restart="never" nodeType="tmRoot"/>
-      </p:par>
-    </p:tnLst>
-  </p:timing>
 </p:sld>
 </file>
 
 <file path=ppt/tags/tag1.xml><?xml version="1.0" encoding="utf-8"?>
-<p:tagLst xmlns:p="http://schemas.openxmlformats.org/presentationml/2006/main">
+<p:tagLst xmlns:a="http://schemas.openxmlformats.org/drawingml/2006/main" xmlns:r="http://schemas.openxmlformats.org/officeDocument/2006/relationships" xmlns:p="http://schemas.openxmlformats.org/presentationml/2006/main">
   <p:tag name="KSO_WM_DOC_GUID" val="{a611c833-8183-4f1a-bec5-76b123e7d1de}"/>
 </p:tagLst>
 </file>
@@ -11616,6 +11669,8 @@
       </a:bgFillStyleLst>
     </a:fmtScheme>
   </a:themeElements>
+  <a:objectDefaults/>
+  <a:extraClrSchemeLst/>
   <a:extLst>
     <a:ext uri="{05A4C25C-085E-4340-85A3-A5531E510DB2}">
       <thm15:themeFamily xmlns:thm15="http://schemas.microsoft.com/office/thememl/2012/main" name="Office Theme" id="{62F939B6-93AF-4DB8-9C6B-D6C7DFDC589F}" vid="{4A3C46E8-61CC-4603-A589-7422A47A8E4A}"/>
@@ -11958,6 +12013,7 @@
       </a:lstStyle>
     </a:lnDef>
   </a:objectDefaults>
+  <a:extraClrSchemeLst/>
   <a:extLst>
     <a:ext uri="{05A4C25C-085E-4340-85A3-A5531E510DB2}">
       <thm15:themeFamily xmlns:thm15="http://schemas.microsoft.com/office/thememl/2012/main" name="Office Theme" id="{62F939B6-93AF-4DB8-9C6B-D6C7DFDC589F}" vid="{4A3C46E8-61CC-4603-A589-7422A47A8E4A}"/>
@@ -12246,6 +12302,8 @@
       </a:bgFillStyleLst>
     </a:fmtScheme>
   </a:themeElements>
+  <a:objectDefaults/>
+  <a:extraClrSchemeLst/>
   <a:extLst>
     <a:ext uri="{05A4C25C-085E-4340-85A3-A5531E510DB2}">
       <thm15:themeFamily xmlns:thm15="http://schemas.microsoft.com/office/thememl/2012/main" name="Office Theme" id="{62F939B6-93AF-4DB8-9C6B-D6C7DFDC589F}" vid="{4A3C46E8-61CC-4603-A589-7422A47A8E4A}"/>
@@ -12534,6 +12592,8 @@
       </a:bgFillStyleLst>
     </a:fmtScheme>
   </a:themeElements>
+  <a:objectDefaults/>
+  <a:extraClrSchemeLst/>
   <a:extLst>
     <a:ext uri="{05A4C25C-085E-4340-85A3-A5531E510DB2}">
       <thm15:themeFamily xmlns:thm15="http://schemas.microsoft.com/office/thememl/2012/main" name="Office Theme" id="{62F939B6-93AF-4DB8-9C6B-D6C7DFDC589F}" vid="{4A3C46E8-61CC-4603-A589-7422A47A8E4A}"/>
@@ -12820,6 +12880,8 @@
       </a:bgFillStyleLst>
     </a:fmtScheme>
   </a:themeElements>
+  <a:objectDefaults/>
+  <a:extraClrSchemeLst/>
   <a:extLst>
     <a:ext uri="{05A4C25C-085E-4340-85A3-A5531E510DB2}">
       <thm15:themeFamily xmlns:thm15="http://schemas.microsoft.com/office/thememl/2012/main" name="Office Theme" id="{62F939B6-93AF-4DB8-9C6B-D6C7DFDC589F}" vid="{4A3C46E8-61CC-4603-A589-7422A47A8E4A}"/>
@@ -13079,6 +13141,8 @@
       </a:bgFillStyleLst>
     </a:fmtScheme>
   </a:themeElements>
+  <a:objectDefaults/>
+  <a:extraClrSchemeLst/>
   <a:extLst>
     <a:ext uri="{05A4C25C-085E-4340-85A3-A5531E510DB2}">
       <thm15:themeFamily xmlns:thm15="http://schemas.microsoft.com/office/thememl/2012/main" name="Office Theme" id="{62F939B6-93AF-4DB8-9C6B-D6C7DFDC589F}" vid="{4A3C46E8-61CC-4603-A589-7422A47A8E4A}"/>
